--- a/YeezyData.pptx
+++ b/YeezyData.pptx
@@ -5,7 +5,7 @@
     <p:sldMasterId id="2147483648" r:id="rId1"/>
   </p:sldMasterIdLst>
   <p:notesMasterIdLst>
-    <p:notesMasterId r:id="rId9"/>
+    <p:notesMasterId r:id="rId21"/>
   </p:notesMasterIdLst>
   <p:sldIdLst>
     <p:sldId id="256" r:id="rId2"/>
@@ -15,6 +15,18 @@
     <p:sldId id="260" r:id="rId6"/>
     <p:sldId id="261" r:id="rId7"/>
     <p:sldId id="262" r:id="rId8"/>
+    <p:sldId id="264" r:id="rId9"/>
+    <p:sldId id="276" r:id="rId10"/>
+    <p:sldId id="265" r:id="rId11"/>
+    <p:sldId id="267" r:id="rId12"/>
+    <p:sldId id="268" r:id="rId13"/>
+    <p:sldId id="270" r:id="rId14"/>
+    <p:sldId id="271" r:id="rId15"/>
+    <p:sldId id="272" r:id="rId16"/>
+    <p:sldId id="274" r:id="rId17"/>
+    <p:sldId id="277" r:id="rId18"/>
+    <p:sldId id="279" r:id="rId19"/>
+    <p:sldId id="280" r:id="rId20"/>
   </p:sldIdLst>
   <p:sldSz cx="12192000" cy="6858000"/>
   <p:notesSz cx="6858000" cy="9144000"/>
@@ -601,6 +613,608 @@
 </p:notes>
 </file>
 
+<file path=ppt/notesSlides/notesSlide10.xml><?xml version="1.0" encoding="utf-8"?>
+<p:notes xmlns:a="http://schemas.openxmlformats.org/drawingml/2006/main" xmlns:r="http://schemas.openxmlformats.org/officeDocument/2006/relationships" xmlns:p="http://schemas.openxmlformats.org/presentationml/2006/main">
+  <p:cSld>
+    <p:spTree>
+      <p:nvGrpSpPr>
+        <p:cNvPr id="1" name=""/>
+        <p:cNvGrpSpPr/>
+        <p:nvPr/>
+      </p:nvGrpSpPr>
+      <p:grpSpPr>
+        <a:xfrm>
+          <a:off x="0" y="0"/>
+          <a:ext cx="0" cy="0"/>
+          <a:chOff x="0" y="0"/>
+          <a:chExt cx="0" cy="0"/>
+        </a:xfrm>
+      </p:grpSpPr>
+      <p:sp>
+        <p:nvSpPr>
+          <p:cNvPr id="2" name="Slide Image Placeholder 1"/>
+          <p:cNvSpPr>
+            <a:spLocks noGrp="1" noRot="1" noChangeAspect="1"/>
+          </p:cNvSpPr>
+          <p:nvPr>
+            <p:ph type="sldImg"/>
+          </p:nvPr>
+        </p:nvSpPr>
+        <p:spPr/>
+      </p:sp>
+      <p:sp>
+        <p:nvSpPr>
+          <p:cNvPr id="3" name="Notes Placeholder 2"/>
+          <p:cNvSpPr>
+            <a:spLocks noGrp="1"/>
+          </p:cNvSpPr>
+          <p:nvPr>
+            <p:ph type="body" idx="1"/>
+          </p:nvPr>
+        </p:nvSpPr>
+        <p:spPr/>
+        <p:txBody>
+          <a:bodyPr/>
+          <a:lstStyle/>
+          <a:p>
+            <a:r>
+              <a:rPr lang="en-US" sz="1200" kern="1200" dirty="0" smtClean="0">
+                <a:solidFill>
+                  <a:schemeClr val="tx1"/>
+                </a:solidFill>
+                <a:effectLst/>
+                <a:latin typeface="+mn-lt"/>
+                <a:ea typeface="+mn-ea"/>
+                <a:cs typeface="+mn-cs"/>
+              </a:rPr>
+              <a:t>Like</a:t>
+            </a:r>
+            <a:r>
+              <a:rPr lang="en-US" sz="1200" kern="1200" baseline="0" dirty="0" smtClean="0">
+                <a:solidFill>
+                  <a:schemeClr val="tx1"/>
+                </a:solidFill>
+                <a:effectLst/>
+                <a:latin typeface="+mn-lt"/>
+                <a:ea typeface="+mn-ea"/>
+                <a:cs typeface="+mn-cs"/>
+              </a:rPr>
+              <a:t> </a:t>
+            </a:r>
+            <a:r>
+              <a:rPr lang="en-US" sz="1200" kern="1200" baseline="0" dirty="0" err="1" smtClean="0">
+                <a:solidFill>
+                  <a:schemeClr val="tx1"/>
+                </a:solidFill>
+                <a:effectLst/>
+                <a:latin typeface="+mn-lt"/>
+                <a:ea typeface="+mn-ea"/>
+                <a:cs typeface="+mn-cs"/>
+              </a:rPr>
+              <a:t>ebay</a:t>
+            </a:r>
+            <a:r>
+              <a:rPr lang="en-US" sz="1200" kern="1200" baseline="0" dirty="0" smtClean="0">
+                <a:solidFill>
+                  <a:schemeClr val="tx1"/>
+                </a:solidFill>
+                <a:effectLst/>
+                <a:latin typeface="+mn-lt"/>
+                <a:ea typeface="+mn-ea"/>
+                <a:cs typeface="+mn-cs"/>
+              </a:rPr>
+              <a:t>, 3 pairs of size 9 available at 100, 110, 120.  First buyer gets the 100, and the next buyer gets the next best deal, and the latest shopper is stuck with the most expensive offer.</a:t>
+            </a:r>
+            <a:r>
+              <a:rPr lang="en-US" sz="1200" kern="1200" dirty="0" smtClean="0">
+                <a:solidFill>
+                  <a:schemeClr val="tx1"/>
+                </a:solidFill>
+                <a:effectLst/>
+                <a:latin typeface="+mn-lt"/>
+                <a:ea typeface="+mn-ea"/>
+                <a:cs typeface="+mn-cs"/>
+              </a:rPr>
+              <a:t/>
+            </a:r>
+            <a:br>
+              <a:rPr lang="en-US" sz="1200" kern="1200" dirty="0" smtClean="0">
+                <a:solidFill>
+                  <a:schemeClr val="tx1"/>
+                </a:solidFill>
+                <a:effectLst/>
+                <a:latin typeface="+mn-lt"/>
+                <a:ea typeface="+mn-ea"/>
+                <a:cs typeface="+mn-cs"/>
+              </a:rPr>
+            </a:br>
+            <a:endParaRPr lang="en-US" sz="1200" kern="1200" dirty="0" smtClean="0">
+              <a:solidFill>
+                <a:schemeClr val="tx1"/>
+              </a:solidFill>
+              <a:effectLst/>
+              <a:latin typeface="+mn-lt"/>
+              <a:ea typeface="+mn-ea"/>
+              <a:cs typeface="+mn-cs"/>
+            </a:endParaRPr>
+          </a:p>
+          <a:p>
+            <a:r>
+              <a:rPr lang="en-US" sz="1200" kern="1200" dirty="0" smtClean="0">
+                <a:solidFill>
+                  <a:schemeClr val="tx1"/>
+                </a:solidFill>
+                <a:effectLst/>
+                <a:latin typeface="+mn-lt"/>
+                <a:ea typeface="+mn-ea"/>
+                <a:cs typeface="+mn-cs"/>
+              </a:rPr>
+              <a:t>would love to see pattern of when sellers make shoes available in secondary market, missing link in making final conclusions here.</a:t>
+            </a:r>
+          </a:p>
+          <a:p>
+            <a:endParaRPr lang="en-US" dirty="0"/>
+          </a:p>
+        </p:txBody>
+      </p:sp>
+      <p:sp>
+        <p:nvSpPr>
+          <p:cNvPr id="4" name="Slide Number Placeholder 3"/>
+          <p:cNvSpPr>
+            <a:spLocks noGrp="1"/>
+          </p:cNvSpPr>
+          <p:nvPr>
+            <p:ph type="sldNum" sz="quarter" idx="10"/>
+          </p:nvPr>
+        </p:nvSpPr>
+        <p:spPr/>
+        <p:txBody>
+          <a:bodyPr/>
+          <a:lstStyle/>
+          <a:p>
+            <a:fld id="{4B3D2A2B-8196-7A40-8211-CF67B91D4A0B}" type="slidenum">
+              <a:rPr lang="en-US" smtClean="0"/>
+              <a:t>13</a:t>
+            </a:fld>
+            <a:endParaRPr lang="en-US"/>
+          </a:p>
+        </p:txBody>
+      </p:sp>
+    </p:spTree>
+    <p:extLst>
+      <p:ext uri="{BB962C8B-B14F-4D97-AF65-F5344CB8AC3E}">
+        <p14:creationId xmlns:p14="http://schemas.microsoft.com/office/powerpoint/2010/main" val="775464063"/>
+      </p:ext>
+    </p:extLst>
+  </p:cSld>
+  <p:clrMapOvr>
+    <a:masterClrMapping/>
+  </p:clrMapOvr>
+</p:notes>
+</file>
+
+<file path=ppt/notesSlides/notesSlide11.xml><?xml version="1.0" encoding="utf-8"?>
+<p:notes xmlns:a="http://schemas.openxmlformats.org/drawingml/2006/main" xmlns:r="http://schemas.openxmlformats.org/officeDocument/2006/relationships" xmlns:p="http://schemas.openxmlformats.org/presentationml/2006/main">
+  <p:cSld>
+    <p:spTree>
+      <p:nvGrpSpPr>
+        <p:cNvPr id="1" name=""/>
+        <p:cNvGrpSpPr/>
+        <p:nvPr/>
+      </p:nvGrpSpPr>
+      <p:grpSpPr>
+        <a:xfrm>
+          <a:off x="0" y="0"/>
+          <a:ext cx="0" cy="0"/>
+          <a:chOff x="0" y="0"/>
+          <a:chExt cx="0" cy="0"/>
+        </a:xfrm>
+      </p:grpSpPr>
+      <p:sp>
+        <p:nvSpPr>
+          <p:cNvPr id="2" name="Slide Image Placeholder 1"/>
+          <p:cNvSpPr>
+            <a:spLocks noGrp="1" noRot="1" noChangeAspect="1"/>
+          </p:cNvSpPr>
+          <p:nvPr>
+            <p:ph type="sldImg"/>
+          </p:nvPr>
+        </p:nvSpPr>
+        <p:spPr/>
+      </p:sp>
+      <p:sp>
+        <p:nvSpPr>
+          <p:cNvPr id="3" name="Notes Placeholder 2"/>
+          <p:cNvSpPr>
+            <a:spLocks noGrp="1"/>
+          </p:cNvSpPr>
+          <p:nvPr>
+            <p:ph type="body" idx="1"/>
+          </p:nvPr>
+        </p:nvSpPr>
+        <p:spPr/>
+        <p:txBody>
+          <a:bodyPr/>
+          <a:lstStyle/>
+          <a:p>
+            <a:r>
+              <a:rPr lang="en-US" dirty="0" smtClean="0"/>
+              <a:t>Proudest </a:t>
+            </a:r>
+            <a:r>
+              <a:rPr lang="en-US" dirty="0" err="1" smtClean="0"/>
+              <a:t>Acomplishment</a:t>
+            </a:r>
+            <a:r>
+              <a:rPr lang="en-US" dirty="0" smtClean="0"/>
+              <a:t>: </a:t>
+            </a:r>
+            <a:r>
+              <a:rPr lang="en-US" dirty="0" err="1" smtClean="0"/>
+              <a:t>Coor</a:t>
+            </a:r>
+            <a:r>
+              <a:rPr lang="en-US" baseline="0" dirty="0" smtClean="0"/>
+              <a:t> Coding Bars</a:t>
+            </a:r>
+          </a:p>
+          <a:p>
+            <a:r>
+              <a:rPr lang="en-US" baseline="0" dirty="0" smtClean="0"/>
+              <a:t>For All the OCD people, you are welcome.  </a:t>
+            </a:r>
+            <a:endParaRPr lang="en-US" dirty="0"/>
+          </a:p>
+        </p:txBody>
+      </p:sp>
+      <p:sp>
+        <p:nvSpPr>
+          <p:cNvPr id="4" name="Slide Number Placeholder 3"/>
+          <p:cNvSpPr>
+            <a:spLocks noGrp="1"/>
+          </p:cNvSpPr>
+          <p:nvPr>
+            <p:ph type="sldNum" sz="quarter" idx="10"/>
+          </p:nvPr>
+        </p:nvSpPr>
+        <p:spPr/>
+        <p:txBody>
+          <a:bodyPr/>
+          <a:lstStyle/>
+          <a:p>
+            <a:fld id="{4B3D2A2B-8196-7A40-8211-CF67B91D4A0B}" type="slidenum">
+              <a:rPr lang="en-US" smtClean="0"/>
+              <a:t>14</a:t>
+            </a:fld>
+            <a:endParaRPr lang="en-US"/>
+          </a:p>
+        </p:txBody>
+      </p:sp>
+    </p:spTree>
+    <p:extLst>
+      <p:ext uri="{BB962C8B-B14F-4D97-AF65-F5344CB8AC3E}">
+        <p14:creationId xmlns:p14="http://schemas.microsoft.com/office/powerpoint/2010/main" val="458473131"/>
+      </p:ext>
+    </p:extLst>
+  </p:cSld>
+  <p:clrMapOvr>
+    <a:masterClrMapping/>
+  </p:clrMapOvr>
+</p:notes>
+</file>
+
+<file path=ppt/notesSlides/notesSlide12.xml><?xml version="1.0" encoding="utf-8"?>
+<p:notes xmlns:a="http://schemas.openxmlformats.org/drawingml/2006/main" xmlns:r="http://schemas.openxmlformats.org/officeDocument/2006/relationships" xmlns:p="http://schemas.openxmlformats.org/presentationml/2006/main">
+  <p:cSld>
+    <p:spTree>
+      <p:nvGrpSpPr>
+        <p:cNvPr id="1" name=""/>
+        <p:cNvGrpSpPr/>
+        <p:nvPr/>
+      </p:nvGrpSpPr>
+      <p:grpSpPr>
+        <a:xfrm>
+          <a:off x="0" y="0"/>
+          <a:ext cx="0" cy="0"/>
+          <a:chOff x="0" y="0"/>
+          <a:chExt cx="0" cy="0"/>
+        </a:xfrm>
+      </p:grpSpPr>
+      <p:sp>
+        <p:nvSpPr>
+          <p:cNvPr id="2" name="Slide Image Placeholder 1"/>
+          <p:cNvSpPr>
+            <a:spLocks noGrp="1" noRot="1" noChangeAspect="1"/>
+          </p:cNvSpPr>
+          <p:nvPr>
+            <p:ph type="sldImg"/>
+          </p:nvPr>
+        </p:nvSpPr>
+        <p:spPr/>
+      </p:sp>
+      <p:sp>
+        <p:nvSpPr>
+          <p:cNvPr id="3" name="Notes Placeholder 2"/>
+          <p:cNvSpPr>
+            <a:spLocks noGrp="1"/>
+          </p:cNvSpPr>
+          <p:nvPr>
+            <p:ph type="body" idx="1"/>
+          </p:nvPr>
+        </p:nvSpPr>
+        <p:spPr/>
+        <p:txBody>
+          <a:bodyPr/>
+          <a:lstStyle/>
+          <a:p>
+            <a:r>
+              <a:rPr lang="en-US" sz="1200" kern="1200" dirty="0" smtClean="0">
+                <a:solidFill>
+                  <a:schemeClr val="tx1"/>
+                </a:solidFill>
+                <a:effectLst/>
+                <a:latin typeface="+mn-lt"/>
+                <a:ea typeface="+mn-ea"/>
+                <a:cs typeface="+mn-cs"/>
+              </a:rPr>
+              <a:t/>
+            </a:r>
+            <a:br>
+              <a:rPr lang="en-US" sz="1200" kern="1200" dirty="0" smtClean="0">
+                <a:solidFill>
+                  <a:schemeClr val="tx1"/>
+                </a:solidFill>
+                <a:effectLst/>
+                <a:latin typeface="+mn-lt"/>
+                <a:ea typeface="+mn-ea"/>
+                <a:cs typeface="+mn-cs"/>
+              </a:rPr>
+            </a:br>
+            <a:endParaRPr lang="en-US" sz="1200" kern="1200" dirty="0" smtClean="0">
+              <a:solidFill>
+                <a:schemeClr val="tx1"/>
+              </a:solidFill>
+              <a:effectLst/>
+              <a:latin typeface="+mn-lt"/>
+              <a:ea typeface="+mn-ea"/>
+              <a:cs typeface="+mn-cs"/>
+            </a:endParaRPr>
+          </a:p>
+          <a:p>
+            <a:r>
+              <a:rPr lang="en-US" sz="1200" kern="1200" dirty="0" smtClean="0">
+                <a:solidFill>
+                  <a:schemeClr val="tx1"/>
+                </a:solidFill>
+                <a:effectLst/>
+                <a:latin typeface="+mn-lt"/>
+                <a:ea typeface="+mn-ea"/>
+                <a:cs typeface="+mn-cs"/>
+              </a:rPr>
+              <a:t>would love to see pattern of when sellers make shoes available in secondary market, missing link in making final conclusions here.</a:t>
+            </a:r>
+          </a:p>
+          <a:p>
+            <a:endParaRPr lang="en-US" dirty="0"/>
+          </a:p>
+        </p:txBody>
+      </p:sp>
+      <p:sp>
+        <p:nvSpPr>
+          <p:cNvPr id="4" name="Slide Number Placeholder 3"/>
+          <p:cNvSpPr>
+            <a:spLocks noGrp="1"/>
+          </p:cNvSpPr>
+          <p:nvPr>
+            <p:ph type="sldNum" sz="quarter" idx="10"/>
+          </p:nvPr>
+        </p:nvSpPr>
+        <p:spPr/>
+        <p:txBody>
+          <a:bodyPr/>
+          <a:lstStyle/>
+          <a:p>
+            <a:fld id="{4B3D2A2B-8196-7A40-8211-CF67B91D4A0B}" type="slidenum">
+              <a:rPr lang="en-US" smtClean="0"/>
+              <a:t>15</a:t>
+            </a:fld>
+            <a:endParaRPr lang="en-US"/>
+          </a:p>
+        </p:txBody>
+      </p:sp>
+    </p:spTree>
+    <p:extLst>
+      <p:ext uri="{BB962C8B-B14F-4D97-AF65-F5344CB8AC3E}">
+        <p14:creationId xmlns:p14="http://schemas.microsoft.com/office/powerpoint/2010/main" val="741999225"/>
+      </p:ext>
+    </p:extLst>
+  </p:cSld>
+  <p:clrMapOvr>
+    <a:masterClrMapping/>
+  </p:clrMapOvr>
+</p:notes>
+</file>
+
+<file path=ppt/notesSlides/notesSlide13.xml><?xml version="1.0" encoding="utf-8"?>
+<p:notes xmlns:a="http://schemas.openxmlformats.org/drawingml/2006/main" xmlns:r="http://schemas.openxmlformats.org/officeDocument/2006/relationships" xmlns:p="http://schemas.openxmlformats.org/presentationml/2006/main">
+  <p:cSld>
+    <p:spTree>
+      <p:nvGrpSpPr>
+        <p:cNvPr id="1" name=""/>
+        <p:cNvGrpSpPr/>
+        <p:nvPr/>
+      </p:nvGrpSpPr>
+      <p:grpSpPr>
+        <a:xfrm>
+          <a:off x="0" y="0"/>
+          <a:ext cx="0" cy="0"/>
+          <a:chOff x="0" y="0"/>
+          <a:chExt cx="0" cy="0"/>
+        </a:xfrm>
+      </p:grpSpPr>
+      <p:sp>
+        <p:nvSpPr>
+          <p:cNvPr id="2" name="Slide Image Placeholder 1"/>
+          <p:cNvSpPr>
+            <a:spLocks noGrp="1" noRot="1" noChangeAspect="1"/>
+          </p:cNvSpPr>
+          <p:nvPr>
+            <p:ph type="sldImg"/>
+          </p:nvPr>
+        </p:nvSpPr>
+        <p:spPr/>
+      </p:sp>
+      <p:sp>
+        <p:nvSpPr>
+          <p:cNvPr id="3" name="Notes Placeholder 2"/>
+          <p:cNvSpPr>
+            <a:spLocks noGrp="1"/>
+          </p:cNvSpPr>
+          <p:nvPr>
+            <p:ph type="body" idx="1"/>
+          </p:nvPr>
+        </p:nvSpPr>
+        <p:spPr/>
+        <p:txBody>
+          <a:bodyPr/>
+          <a:lstStyle/>
+          <a:p>
+            <a:r>
+              <a:rPr lang="en-US" sz="1200" kern="1200" dirty="0" smtClean="0">
+                <a:solidFill>
+                  <a:schemeClr val="tx1"/>
+                </a:solidFill>
+                <a:effectLst/>
+                <a:latin typeface="+mn-lt"/>
+                <a:ea typeface="+mn-ea"/>
+                <a:cs typeface="+mn-cs"/>
+              </a:rPr>
+              <a:t>Like</a:t>
+            </a:r>
+            <a:r>
+              <a:rPr lang="en-US" sz="1200" kern="1200" baseline="0" dirty="0" smtClean="0">
+                <a:solidFill>
+                  <a:schemeClr val="tx1"/>
+                </a:solidFill>
+                <a:effectLst/>
+                <a:latin typeface="+mn-lt"/>
+                <a:ea typeface="+mn-ea"/>
+                <a:cs typeface="+mn-cs"/>
+              </a:rPr>
+              <a:t> </a:t>
+            </a:r>
+            <a:r>
+              <a:rPr lang="en-US" sz="1200" kern="1200" baseline="0" dirty="0" err="1" smtClean="0">
+                <a:solidFill>
+                  <a:schemeClr val="tx1"/>
+                </a:solidFill>
+                <a:effectLst/>
+                <a:latin typeface="+mn-lt"/>
+                <a:ea typeface="+mn-ea"/>
+                <a:cs typeface="+mn-cs"/>
+              </a:rPr>
+              <a:t>ebay</a:t>
+            </a:r>
+            <a:r>
+              <a:rPr lang="en-US" sz="1200" kern="1200" baseline="0" dirty="0" smtClean="0">
+                <a:solidFill>
+                  <a:schemeClr val="tx1"/>
+                </a:solidFill>
+                <a:effectLst/>
+                <a:latin typeface="+mn-lt"/>
+                <a:ea typeface="+mn-ea"/>
+                <a:cs typeface="+mn-cs"/>
+              </a:rPr>
+              <a:t>, 3 pairs of size 9 available at 100, 110, 120.  First buyer gets the 100, and the next buyer gets the next best deal, and the latest shopper is stuck with the most expensive offer.</a:t>
+            </a:r>
+            <a:r>
+              <a:rPr lang="en-US" sz="1200" kern="1200" dirty="0" smtClean="0">
+                <a:solidFill>
+                  <a:schemeClr val="tx1"/>
+                </a:solidFill>
+                <a:effectLst/>
+                <a:latin typeface="+mn-lt"/>
+                <a:ea typeface="+mn-ea"/>
+                <a:cs typeface="+mn-cs"/>
+              </a:rPr>
+              <a:t/>
+            </a:r>
+            <a:br>
+              <a:rPr lang="en-US" sz="1200" kern="1200" dirty="0" smtClean="0">
+                <a:solidFill>
+                  <a:schemeClr val="tx1"/>
+                </a:solidFill>
+                <a:effectLst/>
+                <a:latin typeface="+mn-lt"/>
+                <a:ea typeface="+mn-ea"/>
+                <a:cs typeface="+mn-cs"/>
+              </a:rPr>
+            </a:br>
+            <a:endParaRPr lang="en-US" sz="1200" kern="1200" dirty="0" smtClean="0">
+              <a:solidFill>
+                <a:schemeClr val="tx1"/>
+              </a:solidFill>
+              <a:effectLst/>
+              <a:latin typeface="+mn-lt"/>
+              <a:ea typeface="+mn-ea"/>
+              <a:cs typeface="+mn-cs"/>
+            </a:endParaRPr>
+          </a:p>
+          <a:p>
+            <a:r>
+              <a:rPr lang="en-US" sz="1200" kern="1200" dirty="0" smtClean="0">
+                <a:solidFill>
+                  <a:schemeClr val="tx1"/>
+                </a:solidFill>
+                <a:effectLst/>
+                <a:latin typeface="+mn-lt"/>
+                <a:ea typeface="+mn-ea"/>
+                <a:cs typeface="+mn-cs"/>
+              </a:rPr>
+              <a:t>would love to see pattern of when sellers make shoes available in secondary market, missing link in making final conclusions here.</a:t>
+            </a:r>
+          </a:p>
+          <a:p>
+            <a:endParaRPr lang="en-US" dirty="0"/>
+          </a:p>
+        </p:txBody>
+      </p:sp>
+      <p:sp>
+        <p:nvSpPr>
+          <p:cNvPr id="4" name="Slide Number Placeholder 3"/>
+          <p:cNvSpPr>
+            <a:spLocks noGrp="1"/>
+          </p:cNvSpPr>
+          <p:nvPr>
+            <p:ph type="sldNum" sz="quarter" idx="10"/>
+          </p:nvPr>
+        </p:nvSpPr>
+        <p:spPr/>
+        <p:txBody>
+          <a:bodyPr/>
+          <a:lstStyle/>
+          <a:p>
+            <a:fld id="{4B3D2A2B-8196-7A40-8211-CF67B91D4A0B}" type="slidenum">
+              <a:rPr lang="en-US" smtClean="0"/>
+              <a:t>16</a:t>
+            </a:fld>
+            <a:endParaRPr lang="en-US"/>
+          </a:p>
+        </p:txBody>
+      </p:sp>
+    </p:spTree>
+    <p:extLst>
+      <p:ext uri="{BB962C8B-B14F-4D97-AF65-F5344CB8AC3E}">
+        <p14:creationId xmlns:p14="http://schemas.microsoft.com/office/powerpoint/2010/main" val="847356239"/>
+      </p:ext>
+    </p:extLst>
+  </p:cSld>
+  <p:clrMapOvr>
+    <a:masterClrMapping/>
+  </p:clrMapOvr>
+</p:notes>
+</file>
+
 <file path=ppt/notesSlides/notesSlide2.xml><?xml version="1.0" encoding="utf-8"?>
 <p:notes xmlns:a="http://schemas.openxmlformats.org/drawingml/2006/main" xmlns:r="http://schemas.openxmlformats.org/officeDocument/2006/relationships" xmlns:p="http://schemas.openxmlformats.org/presentationml/2006/main">
   <p:cSld>
@@ -921,6 +1535,511 @@
     <p:extLst>
       <p:ext uri="{BB962C8B-B14F-4D97-AF65-F5344CB8AC3E}">
         <p14:creationId xmlns:p14="http://schemas.microsoft.com/office/powerpoint/2010/main" val="507971792"/>
+      </p:ext>
+    </p:extLst>
+  </p:cSld>
+  <p:clrMapOvr>
+    <a:masterClrMapping/>
+  </p:clrMapOvr>
+</p:notes>
+</file>
+
+<file path=ppt/notesSlides/notesSlide5.xml><?xml version="1.0" encoding="utf-8"?>
+<p:notes xmlns:a="http://schemas.openxmlformats.org/drawingml/2006/main" xmlns:r="http://schemas.openxmlformats.org/officeDocument/2006/relationships" xmlns:p="http://schemas.openxmlformats.org/presentationml/2006/main">
+  <p:cSld>
+    <p:spTree>
+      <p:nvGrpSpPr>
+        <p:cNvPr id="1" name=""/>
+        <p:cNvGrpSpPr/>
+        <p:nvPr/>
+      </p:nvGrpSpPr>
+      <p:grpSpPr>
+        <a:xfrm>
+          <a:off x="0" y="0"/>
+          <a:ext cx="0" cy="0"/>
+          <a:chOff x="0" y="0"/>
+          <a:chExt cx="0" cy="0"/>
+        </a:xfrm>
+      </p:grpSpPr>
+      <p:sp>
+        <p:nvSpPr>
+          <p:cNvPr id="2" name="Slide Image Placeholder 1"/>
+          <p:cNvSpPr>
+            <a:spLocks noGrp="1" noRot="1" noChangeAspect="1"/>
+          </p:cNvSpPr>
+          <p:nvPr>
+            <p:ph type="sldImg"/>
+          </p:nvPr>
+        </p:nvSpPr>
+        <p:spPr/>
+      </p:sp>
+      <p:sp>
+        <p:nvSpPr>
+          <p:cNvPr id="3" name="Notes Placeholder 2"/>
+          <p:cNvSpPr>
+            <a:spLocks noGrp="1"/>
+          </p:cNvSpPr>
+          <p:nvPr>
+            <p:ph type="body" idx="1"/>
+          </p:nvPr>
+        </p:nvSpPr>
+        <p:spPr/>
+        <p:txBody>
+          <a:bodyPr/>
+          <a:lstStyle/>
+          <a:p>
+            <a:pPr marL="285750" indent="-285750">
+              <a:buFontTx/>
+              <a:buChar char="-"/>
+            </a:pPr>
+            <a:r>
+              <a:rPr lang="en-US" dirty="0" smtClean="0"/>
+              <a:t>The two newer models, account for over 88% of </a:t>
+            </a:r>
+            <a:r>
+              <a:rPr lang="en-US" dirty="0" err="1" smtClean="0"/>
+              <a:t>Yeezy</a:t>
+            </a:r>
+            <a:r>
+              <a:rPr lang="en-US" dirty="0" smtClean="0"/>
+              <a:t> sneakers sold.</a:t>
+            </a:r>
+          </a:p>
+          <a:p>
+            <a:pPr marL="285750" indent="-285750">
+              <a:buFontTx/>
+              <a:buChar char="-"/>
+            </a:pPr>
+            <a:r>
+              <a:rPr lang="en-US" dirty="0" smtClean="0"/>
+              <a:t>What does this mean?  Most likely due to great success and popularity of early models, </a:t>
+            </a:r>
+            <a:r>
+              <a:rPr lang="en-US" dirty="0" err="1" smtClean="0"/>
+              <a:t>adidas</a:t>
+            </a:r>
+            <a:r>
+              <a:rPr lang="en-US" dirty="0" smtClean="0"/>
+              <a:t> was able to greatly increase the amount of inventory for newer models.</a:t>
+            </a:r>
+          </a:p>
+          <a:p>
+            <a:endParaRPr lang="en-US" dirty="0" smtClean="0"/>
+          </a:p>
+          <a:p>
+            <a:endParaRPr lang="en-US" dirty="0"/>
+          </a:p>
+        </p:txBody>
+      </p:sp>
+      <p:sp>
+        <p:nvSpPr>
+          <p:cNvPr id="4" name="Slide Number Placeholder 3"/>
+          <p:cNvSpPr>
+            <a:spLocks noGrp="1"/>
+          </p:cNvSpPr>
+          <p:nvPr>
+            <p:ph type="sldNum" sz="quarter" idx="10"/>
+          </p:nvPr>
+        </p:nvSpPr>
+        <p:spPr/>
+        <p:txBody>
+          <a:bodyPr/>
+          <a:lstStyle/>
+          <a:p>
+            <a:fld id="{4B3D2A2B-8196-7A40-8211-CF67B91D4A0B}" type="slidenum">
+              <a:rPr lang="en-US" smtClean="0"/>
+              <a:t>7</a:t>
+            </a:fld>
+            <a:endParaRPr lang="en-US"/>
+          </a:p>
+        </p:txBody>
+      </p:sp>
+    </p:spTree>
+    <p:extLst>
+      <p:ext uri="{BB962C8B-B14F-4D97-AF65-F5344CB8AC3E}">
+        <p14:creationId xmlns:p14="http://schemas.microsoft.com/office/powerpoint/2010/main" val="1471883773"/>
+      </p:ext>
+    </p:extLst>
+  </p:cSld>
+  <p:clrMapOvr>
+    <a:masterClrMapping/>
+  </p:clrMapOvr>
+</p:notes>
+</file>
+
+<file path=ppt/notesSlides/notesSlide6.xml><?xml version="1.0" encoding="utf-8"?>
+<p:notes xmlns:a="http://schemas.openxmlformats.org/drawingml/2006/main" xmlns:r="http://schemas.openxmlformats.org/officeDocument/2006/relationships" xmlns:p="http://schemas.openxmlformats.org/presentationml/2006/main">
+  <p:cSld>
+    <p:spTree>
+      <p:nvGrpSpPr>
+        <p:cNvPr id="1" name=""/>
+        <p:cNvGrpSpPr/>
+        <p:nvPr/>
+      </p:nvGrpSpPr>
+      <p:grpSpPr>
+        <a:xfrm>
+          <a:off x="0" y="0"/>
+          <a:ext cx="0" cy="0"/>
+          <a:chOff x="0" y="0"/>
+          <a:chExt cx="0" cy="0"/>
+        </a:xfrm>
+      </p:grpSpPr>
+      <p:sp>
+        <p:nvSpPr>
+          <p:cNvPr id="2" name="Slide Image Placeholder 1"/>
+          <p:cNvSpPr>
+            <a:spLocks noGrp="1" noRot="1" noChangeAspect="1"/>
+          </p:cNvSpPr>
+          <p:nvPr>
+            <p:ph type="sldImg"/>
+          </p:nvPr>
+        </p:nvSpPr>
+        <p:spPr/>
+      </p:sp>
+      <p:sp>
+        <p:nvSpPr>
+          <p:cNvPr id="3" name="Notes Placeholder 2"/>
+          <p:cNvSpPr>
+            <a:spLocks noGrp="1"/>
+          </p:cNvSpPr>
+          <p:nvPr>
+            <p:ph type="body" idx="1"/>
+          </p:nvPr>
+        </p:nvSpPr>
+        <p:spPr/>
+        <p:txBody>
+          <a:bodyPr/>
+          <a:lstStyle/>
+          <a:p>
+            <a:r>
+              <a:rPr lang="en-US" dirty="0" smtClean="0"/>
+              <a:t>Lower</a:t>
+            </a:r>
+            <a:r>
+              <a:rPr lang="en-US" baseline="0" dirty="0" smtClean="0"/>
+              <a:t> priced </a:t>
+            </a:r>
+            <a:r>
+              <a:rPr lang="en-US" baseline="0" dirty="0" err="1" smtClean="0"/>
+              <a:t>Yeezy’s</a:t>
+            </a:r>
+            <a:r>
+              <a:rPr lang="en-US" baseline="0" dirty="0" smtClean="0"/>
+              <a:t> sell like hotcakes.</a:t>
+            </a:r>
+            <a:endParaRPr lang="en-US" dirty="0"/>
+          </a:p>
+        </p:txBody>
+      </p:sp>
+      <p:sp>
+        <p:nvSpPr>
+          <p:cNvPr id="4" name="Slide Number Placeholder 3"/>
+          <p:cNvSpPr>
+            <a:spLocks noGrp="1"/>
+          </p:cNvSpPr>
+          <p:nvPr>
+            <p:ph type="sldNum" sz="quarter" idx="10"/>
+          </p:nvPr>
+        </p:nvSpPr>
+        <p:spPr/>
+        <p:txBody>
+          <a:bodyPr/>
+          <a:lstStyle/>
+          <a:p>
+            <a:fld id="{4B3D2A2B-8196-7A40-8211-CF67B91D4A0B}" type="slidenum">
+              <a:rPr lang="en-US" smtClean="0"/>
+              <a:t>8</a:t>
+            </a:fld>
+            <a:endParaRPr lang="en-US"/>
+          </a:p>
+        </p:txBody>
+      </p:sp>
+    </p:spTree>
+    <p:extLst>
+      <p:ext uri="{BB962C8B-B14F-4D97-AF65-F5344CB8AC3E}">
+        <p14:creationId xmlns:p14="http://schemas.microsoft.com/office/powerpoint/2010/main" val="897672872"/>
+      </p:ext>
+    </p:extLst>
+  </p:cSld>
+  <p:clrMapOvr>
+    <a:masterClrMapping/>
+  </p:clrMapOvr>
+</p:notes>
+</file>
+
+<file path=ppt/notesSlides/notesSlide7.xml><?xml version="1.0" encoding="utf-8"?>
+<p:notes xmlns:a="http://schemas.openxmlformats.org/drawingml/2006/main" xmlns:r="http://schemas.openxmlformats.org/officeDocument/2006/relationships" xmlns:p="http://schemas.openxmlformats.org/presentationml/2006/main">
+  <p:cSld>
+    <p:spTree>
+      <p:nvGrpSpPr>
+        <p:cNvPr id="1" name=""/>
+        <p:cNvGrpSpPr/>
+        <p:nvPr/>
+      </p:nvGrpSpPr>
+      <p:grpSpPr>
+        <a:xfrm>
+          <a:off x="0" y="0"/>
+          <a:ext cx="0" cy="0"/>
+          <a:chOff x="0" y="0"/>
+          <a:chExt cx="0" cy="0"/>
+        </a:xfrm>
+      </p:grpSpPr>
+      <p:sp>
+        <p:nvSpPr>
+          <p:cNvPr id="2" name="Slide Image Placeholder 1"/>
+          <p:cNvSpPr>
+            <a:spLocks noGrp="1" noRot="1" noChangeAspect="1"/>
+          </p:cNvSpPr>
+          <p:nvPr>
+            <p:ph type="sldImg"/>
+          </p:nvPr>
+        </p:nvSpPr>
+        <p:spPr/>
+      </p:sp>
+      <p:sp>
+        <p:nvSpPr>
+          <p:cNvPr id="3" name="Notes Placeholder 2"/>
+          <p:cNvSpPr>
+            <a:spLocks noGrp="1"/>
+          </p:cNvSpPr>
+          <p:nvPr>
+            <p:ph type="body" idx="1"/>
+          </p:nvPr>
+        </p:nvSpPr>
+        <p:spPr/>
+        <p:txBody>
+          <a:bodyPr/>
+          <a:lstStyle/>
+          <a:p>
+            <a:endParaRPr lang="en-US" dirty="0"/>
+          </a:p>
+        </p:txBody>
+      </p:sp>
+      <p:sp>
+        <p:nvSpPr>
+          <p:cNvPr id="4" name="Slide Number Placeholder 3"/>
+          <p:cNvSpPr>
+            <a:spLocks noGrp="1"/>
+          </p:cNvSpPr>
+          <p:nvPr>
+            <p:ph type="sldNum" sz="quarter" idx="10"/>
+          </p:nvPr>
+        </p:nvSpPr>
+        <p:spPr/>
+        <p:txBody>
+          <a:bodyPr/>
+          <a:lstStyle/>
+          <a:p>
+            <a:fld id="{4B3D2A2B-8196-7A40-8211-CF67B91D4A0B}" type="slidenum">
+              <a:rPr lang="en-US" smtClean="0"/>
+              <a:t>9</a:t>
+            </a:fld>
+            <a:endParaRPr lang="en-US"/>
+          </a:p>
+        </p:txBody>
+      </p:sp>
+    </p:spTree>
+    <p:extLst>
+      <p:ext uri="{BB962C8B-B14F-4D97-AF65-F5344CB8AC3E}">
+        <p14:creationId xmlns:p14="http://schemas.microsoft.com/office/powerpoint/2010/main" val="691051677"/>
+      </p:ext>
+    </p:extLst>
+  </p:cSld>
+  <p:clrMapOvr>
+    <a:masterClrMapping/>
+  </p:clrMapOvr>
+</p:notes>
+</file>
+
+<file path=ppt/notesSlides/notesSlide8.xml><?xml version="1.0" encoding="utf-8"?>
+<p:notes xmlns:a="http://schemas.openxmlformats.org/drawingml/2006/main" xmlns:r="http://schemas.openxmlformats.org/officeDocument/2006/relationships" xmlns:p="http://schemas.openxmlformats.org/presentationml/2006/main">
+  <p:cSld>
+    <p:spTree>
+      <p:nvGrpSpPr>
+        <p:cNvPr id="1" name=""/>
+        <p:cNvGrpSpPr/>
+        <p:nvPr/>
+      </p:nvGrpSpPr>
+      <p:grpSpPr>
+        <a:xfrm>
+          <a:off x="0" y="0"/>
+          <a:ext cx="0" cy="0"/>
+          <a:chOff x="0" y="0"/>
+          <a:chExt cx="0" cy="0"/>
+        </a:xfrm>
+      </p:grpSpPr>
+      <p:sp>
+        <p:nvSpPr>
+          <p:cNvPr id="2" name="Slide Image Placeholder 1"/>
+          <p:cNvSpPr>
+            <a:spLocks noGrp="1" noRot="1" noChangeAspect="1"/>
+          </p:cNvSpPr>
+          <p:nvPr>
+            <p:ph type="sldImg"/>
+          </p:nvPr>
+        </p:nvSpPr>
+        <p:spPr/>
+      </p:sp>
+      <p:sp>
+        <p:nvSpPr>
+          <p:cNvPr id="3" name="Notes Placeholder 2"/>
+          <p:cNvSpPr>
+            <a:spLocks noGrp="1"/>
+          </p:cNvSpPr>
+          <p:nvPr>
+            <p:ph type="body" idx="1"/>
+          </p:nvPr>
+        </p:nvSpPr>
+        <p:spPr/>
+        <p:txBody>
+          <a:bodyPr/>
+          <a:lstStyle/>
+          <a:p>
+            <a:endParaRPr lang="en-US" dirty="0"/>
+          </a:p>
+        </p:txBody>
+      </p:sp>
+      <p:sp>
+        <p:nvSpPr>
+          <p:cNvPr id="4" name="Slide Number Placeholder 3"/>
+          <p:cNvSpPr>
+            <a:spLocks noGrp="1"/>
+          </p:cNvSpPr>
+          <p:nvPr>
+            <p:ph type="sldNum" sz="quarter" idx="10"/>
+          </p:nvPr>
+        </p:nvSpPr>
+        <p:spPr/>
+        <p:txBody>
+          <a:bodyPr/>
+          <a:lstStyle/>
+          <a:p>
+            <a:fld id="{4B3D2A2B-8196-7A40-8211-CF67B91D4A0B}" type="slidenum">
+              <a:rPr lang="en-US" smtClean="0"/>
+              <a:t>10</a:t>
+            </a:fld>
+            <a:endParaRPr lang="en-US"/>
+          </a:p>
+        </p:txBody>
+      </p:sp>
+    </p:spTree>
+    <p:extLst>
+      <p:ext uri="{BB962C8B-B14F-4D97-AF65-F5344CB8AC3E}">
+        <p14:creationId xmlns:p14="http://schemas.microsoft.com/office/powerpoint/2010/main" val="781536289"/>
+      </p:ext>
+    </p:extLst>
+  </p:cSld>
+  <p:clrMapOvr>
+    <a:masterClrMapping/>
+  </p:clrMapOvr>
+</p:notes>
+</file>
+
+<file path=ppt/notesSlides/notesSlide9.xml><?xml version="1.0" encoding="utf-8"?>
+<p:notes xmlns:a="http://schemas.openxmlformats.org/drawingml/2006/main" xmlns:r="http://schemas.openxmlformats.org/officeDocument/2006/relationships" xmlns:p="http://schemas.openxmlformats.org/presentationml/2006/main">
+  <p:cSld>
+    <p:spTree>
+      <p:nvGrpSpPr>
+        <p:cNvPr id="1" name=""/>
+        <p:cNvGrpSpPr/>
+        <p:nvPr/>
+      </p:nvGrpSpPr>
+      <p:grpSpPr>
+        <a:xfrm>
+          <a:off x="0" y="0"/>
+          <a:ext cx="0" cy="0"/>
+          <a:chOff x="0" y="0"/>
+          <a:chExt cx="0" cy="0"/>
+        </a:xfrm>
+      </p:grpSpPr>
+      <p:sp>
+        <p:nvSpPr>
+          <p:cNvPr id="2" name="Slide Image Placeholder 1"/>
+          <p:cNvSpPr>
+            <a:spLocks noGrp="1" noRot="1" noChangeAspect="1"/>
+          </p:cNvSpPr>
+          <p:nvPr>
+            <p:ph type="sldImg"/>
+          </p:nvPr>
+        </p:nvSpPr>
+        <p:spPr/>
+      </p:sp>
+      <p:sp>
+        <p:nvSpPr>
+          <p:cNvPr id="3" name="Notes Placeholder 2"/>
+          <p:cNvSpPr>
+            <a:spLocks noGrp="1"/>
+          </p:cNvSpPr>
+          <p:nvPr>
+            <p:ph type="body" idx="1"/>
+          </p:nvPr>
+        </p:nvSpPr>
+        <p:spPr/>
+        <p:txBody>
+          <a:bodyPr/>
+          <a:lstStyle/>
+          <a:p>
+            <a:r>
+              <a:rPr lang="en-US" dirty="0" smtClean="0"/>
+              <a:t>1</a:t>
+            </a:r>
+            <a:r>
+              <a:rPr lang="en-US" baseline="30000" dirty="0" smtClean="0"/>
+              <a:t>st</a:t>
+            </a:r>
+            <a:r>
+              <a:rPr lang="en-US" dirty="0" smtClean="0"/>
+              <a:t> Model</a:t>
+            </a:r>
+            <a:r>
+              <a:rPr lang="en-US" baseline="0" dirty="0" smtClean="0"/>
+              <a:t> limited size run as </a:t>
+            </a:r>
+            <a:r>
+              <a:rPr lang="en-US" baseline="0" dirty="0" err="1" smtClean="0"/>
+              <a:t>adidas</a:t>
+            </a:r>
+            <a:r>
+              <a:rPr lang="en-US" baseline="0" dirty="0" smtClean="0"/>
+              <a:t> testing appetite of customers for $350 shoes.  Did not manufacture half sizes!</a:t>
+            </a:r>
+          </a:p>
+          <a:p>
+            <a:r>
+              <a:rPr lang="en-US" baseline="0" dirty="0" smtClean="0"/>
+              <a:t>-Subsequent 750 Colorways released did have half sizes.</a:t>
+            </a:r>
+            <a:endParaRPr lang="en-US" dirty="0"/>
+          </a:p>
+        </p:txBody>
+      </p:sp>
+      <p:sp>
+        <p:nvSpPr>
+          <p:cNvPr id="4" name="Slide Number Placeholder 3"/>
+          <p:cNvSpPr>
+            <a:spLocks noGrp="1"/>
+          </p:cNvSpPr>
+          <p:nvPr>
+            <p:ph type="sldNum" sz="quarter" idx="10"/>
+          </p:nvPr>
+        </p:nvSpPr>
+        <p:spPr/>
+        <p:txBody>
+          <a:bodyPr/>
+          <a:lstStyle/>
+          <a:p>
+            <a:fld id="{4B3D2A2B-8196-7A40-8211-CF67B91D4A0B}" type="slidenum">
+              <a:rPr lang="en-US" smtClean="0"/>
+              <a:t>11</a:t>
+            </a:fld>
+            <a:endParaRPr lang="en-US"/>
+          </a:p>
+        </p:txBody>
+      </p:sp>
+    </p:spTree>
+    <p:extLst>
+      <p:ext uri="{BB962C8B-B14F-4D97-AF65-F5344CB8AC3E}">
+        <p14:creationId xmlns:p14="http://schemas.microsoft.com/office/powerpoint/2010/main" val="652454157"/>
       </p:ext>
     </p:extLst>
   </p:cSld>
@@ -4706,6 +5825,1791 @@
 </p:sld>
 </file>
 
+<file path=ppt/slides/slide10.xml><?xml version="1.0" encoding="utf-8"?>
+<p:sld xmlns:a="http://schemas.openxmlformats.org/drawingml/2006/main" xmlns:r="http://schemas.openxmlformats.org/officeDocument/2006/relationships" xmlns:p="http://schemas.openxmlformats.org/presentationml/2006/main">
+  <p:cSld>
+    <p:spTree>
+      <p:nvGrpSpPr>
+        <p:cNvPr id="1" name=""/>
+        <p:cNvGrpSpPr/>
+        <p:nvPr/>
+      </p:nvGrpSpPr>
+      <p:grpSpPr>
+        <a:xfrm>
+          <a:off x="0" y="0"/>
+          <a:ext cx="0" cy="0"/>
+          <a:chOff x="0" y="0"/>
+          <a:chExt cx="0" cy="0"/>
+        </a:xfrm>
+      </p:grpSpPr>
+      <p:sp>
+        <p:nvSpPr>
+          <p:cNvPr id="2" name="Title 1"/>
+          <p:cNvSpPr>
+            <a:spLocks noGrp="1"/>
+          </p:cNvSpPr>
+          <p:nvPr>
+            <p:ph type="title"/>
+          </p:nvPr>
+        </p:nvSpPr>
+        <p:spPr>
+          <a:xfrm>
+            <a:off x="914401" y="157421"/>
+            <a:ext cx="9601200" cy="1005840"/>
+          </a:xfrm>
+        </p:spPr>
+        <p:txBody>
+          <a:bodyPr>
+            <a:normAutofit/>
+          </a:bodyPr>
+          <a:lstStyle/>
+          <a:p>
+            <a:r>
+              <a:rPr lang="en-US" sz="3600" dirty="0" smtClean="0"/>
+              <a:t>Size- All </a:t>
+            </a:r>
+            <a:r>
+              <a:rPr lang="en-US" sz="3600" dirty="0" err="1" smtClean="0"/>
+              <a:t>Yeezy</a:t>
+            </a:r>
+            <a:r>
+              <a:rPr lang="en-US" sz="3600" dirty="0" smtClean="0"/>
+              <a:t> Sneakers</a:t>
+            </a:r>
+            <a:endParaRPr lang="en-US" sz="3600" dirty="0"/>
+          </a:p>
+        </p:txBody>
+      </p:sp>
+      <p:sp>
+        <p:nvSpPr>
+          <p:cNvPr id="6" name="TextBox 5"/>
+          <p:cNvSpPr txBox="1"/>
+          <p:nvPr/>
+        </p:nvSpPr>
+        <p:spPr>
+          <a:xfrm>
+            <a:off x="914401" y="5288340"/>
+            <a:ext cx="10829908" cy="1569660"/>
+          </a:xfrm>
+          <a:prstGeom prst="rect">
+            <a:avLst/>
+          </a:prstGeom>
+          <a:noFill/>
+        </p:spPr>
+        <p:txBody>
+          <a:bodyPr wrap="square" rtlCol="0">
+            <a:spAutoFit/>
+          </a:bodyPr>
+          <a:lstStyle/>
+          <a:p>
+            <a:pPr marL="742950" lvl="1" indent="-285750" defTabSz="914400">
+              <a:buFontTx/>
+              <a:buChar char="-"/>
+            </a:pPr>
+            <a:r>
+              <a:rPr lang="en-US" sz="1600" dirty="0" smtClean="0"/>
+              <a:t>9,10, 11 are most popular sold sizes</a:t>
+            </a:r>
+          </a:p>
+          <a:p>
+            <a:pPr marL="742950" lvl="1" indent="-285750" defTabSz="914400">
+              <a:buFontTx/>
+              <a:buChar char="-"/>
+            </a:pPr>
+            <a:r>
+              <a:rPr lang="en-US" sz="1600" dirty="0" smtClean="0"/>
+              <a:t>Really large sizes are rare on resell </a:t>
+            </a:r>
+            <a:r>
+              <a:rPr lang="en-US" sz="1600" dirty="0" err="1" smtClean="0"/>
+              <a:t>platfoms</a:t>
+            </a:r>
+            <a:endParaRPr lang="en-US" sz="1600" dirty="0" smtClean="0"/>
+          </a:p>
+          <a:p>
+            <a:pPr marL="742950" lvl="1" indent="-285750" defTabSz="914400">
+              <a:buFontTx/>
+              <a:buChar char="-"/>
+            </a:pPr>
+            <a:r>
+              <a:rPr lang="en-US" sz="1600" dirty="0"/>
+              <a:t>I</a:t>
+            </a:r>
+            <a:r>
+              <a:rPr lang="en-US" sz="1600" dirty="0" smtClean="0"/>
+              <a:t>s there correlation between how “rare” a sneaker is (low availability on sneaker reselling platforms) with higher price points?</a:t>
+            </a:r>
+          </a:p>
+          <a:p>
+            <a:pPr marL="742950" lvl="1" indent="-285750" defTabSz="914400">
+              <a:buFontTx/>
+              <a:buChar char="-"/>
+            </a:pPr>
+            <a:endParaRPr lang="en-US" sz="1600" dirty="0" smtClean="0"/>
+          </a:p>
+          <a:p>
+            <a:pPr marL="285750" marR="0" lvl="0" indent="-285750" defTabSz="914400" eaLnBrk="1" fontAlgn="auto" latinLnBrk="0" hangingPunct="1">
+              <a:lnSpc>
+                <a:spcPct val="100000"/>
+              </a:lnSpc>
+              <a:spcBef>
+                <a:spcPts val="0"/>
+              </a:spcBef>
+              <a:spcAft>
+                <a:spcPts val="0"/>
+              </a:spcAft>
+              <a:buClrTx/>
+              <a:buSzTx/>
+              <a:buFontTx/>
+              <a:buNone/>
+              <a:tabLst/>
+              <a:defRPr/>
+            </a:pPr>
+            <a:endParaRPr lang="en-US" sz="1600" dirty="0" smtClean="0"/>
+          </a:p>
+        </p:txBody>
+      </p:sp>
+      <p:pic>
+        <p:nvPicPr>
+          <p:cNvPr id="4" name="Content Placeholder 3"/>
+          <p:cNvPicPr>
+            <a:picLocks noGrp="1" noChangeAspect="1"/>
+          </p:cNvPicPr>
+          <p:nvPr>
+            <p:ph idx="1"/>
+          </p:nvPr>
+        </p:nvPicPr>
+        <p:blipFill>
+          <a:blip r:embed="rId3">
+            <a:extLst>
+              <a:ext uri="{28A0092B-C50C-407E-A947-70E740481C1C}">
+                <a14:useLocalDpi xmlns:a14="http://schemas.microsoft.com/office/drawing/2010/main" val="0"/>
+              </a:ext>
+            </a:extLst>
+          </a:blip>
+          <a:stretch>
+            <a:fillRect/>
+          </a:stretch>
+        </p:blipFill>
+        <p:spPr>
+          <a:xfrm>
+            <a:off x="791174" y="868681"/>
+            <a:ext cx="5685825" cy="4211319"/>
+          </a:xfrm>
+        </p:spPr>
+      </p:pic>
+      <p:pic>
+        <p:nvPicPr>
+          <p:cNvPr id="7" name="Content Placeholder 4"/>
+          <p:cNvPicPr>
+            <a:picLocks noChangeAspect="1"/>
+          </p:cNvPicPr>
+          <p:nvPr/>
+        </p:nvPicPr>
+        <p:blipFill>
+          <a:blip r:embed="rId4">
+            <a:extLst>
+              <a:ext uri="{28A0092B-C50C-407E-A947-70E740481C1C}">
+                <a14:useLocalDpi xmlns:a14="http://schemas.microsoft.com/office/drawing/2010/main" val="0"/>
+              </a:ext>
+            </a:extLst>
+          </a:blip>
+          <a:stretch>
+            <a:fillRect/>
+          </a:stretch>
+        </p:blipFill>
+        <p:spPr>
+          <a:xfrm>
+            <a:off x="6680198" y="868681"/>
+            <a:ext cx="5423963" cy="4211319"/>
+          </a:xfrm>
+          <a:prstGeom prst="rect">
+            <a:avLst/>
+          </a:prstGeom>
+        </p:spPr>
+      </p:pic>
+    </p:spTree>
+    <p:extLst>
+      <p:ext uri="{BB962C8B-B14F-4D97-AF65-F5344CB8AC3E}">
+        <p14:creationId xmlns:p14="http://schemas.microsoft.com/office/powerpoint/2010/main" val="422847916"/>
+      </p:ext>
+    </p:extLst>
+  </p:cSld>
+  <p:clrMapOvr>
+    <a:masterClrMapping/>
+  </p:clrMapOvr>
+  <p:timing>
+    <p:tnLst>
+      <p:par>
+        <p:cTn id="1" dur="indefinite" restart="never" nodeType="tmRoot"/>
+      </p:par>
+    </p:tnLst>
+  </p:timing>
+</p:sld>
+</file>
+
+<file path=ppt/slides/slide11.xml><?xml version="1.0" encoding="utf-8"?>
+<p:sld xmlns:a="http://schemas.openxmlformats.org/drawingml/2006/main" xmlns:r="http://schemas.openxmlformats.org/officeDocument/2006/relationships" xmlns:p="http://schemas.openxmlformats.org/presentationml/2006/main">
+  <p:cSld>
+    <p:spTree>
+      <p:nvGrpSpPr>
+        <p:cNvPr id="1" name=""/>
+        <p:cNvGrpSpPr/>
+        <p:nvPr/>
+      </p:nvGrpSpPr>
+      <p:grpSpPr>
+        <a:xfrm>
+          <a:off x="0" y="0"/>
+          <a:ext cx="0" cy="0"/>
+          <a:chOff x="0" y="0"/>
+          <a:chExt cx="0" cy="0"/>
+        </a:xfrm>
+      </p:grpSpPr>
+      <p:sp>
+        <p:nvSpPr>
+          <p:cNvPr id="2" name="Title 1"/>
+          <p:cNvSpPr>
+            <a:spLocks noGrp="1"/>
+          </p:cNvSpPr>
+          <p:nvPr>
+            <p:ph type="title"/>
+          </p:nvPr>
+        </p:nvSpPr>
+        <p:spPr>
+          <a:xfrm>
+            <a:off x="914401" y="157421"/>
+            <a:ext cx="9601200" cy="1005840"/>
+          </a:xfrm>
+        </p:spPr>
+        <p:txBody>
+          <a:bodyPr>
+            <a:normAutofit/>
+          </a:bodyPr>
+          <a:lstStyle/>
+          <a:p>
+            <a:r>
+              <a:rPr lang="en-US" sz="3600" dirty="0" smtClean="0"/>
+              <a:t>Size By Model</a:t>
+            </a:r>
+            <a:endParaRPr lang="en-US" sz="3600" dirty="0"/>
+          </a:p>
+        </p:txBody>
+      </p:sp>
+      <p:sp>
+        <p:nvSpPr>
+          <p:cNvPr id="6" name="TextBox 5"/>
+          <p:cNvSpPr txBox="1"/>
+          <p:nvPr/>
+        </p:nvSpPr>
+        <p:spPr>
+          <a:xfrm>
+            <a:off x="914401" y="5288340"/>
+            <a:ext cx="10829908" cy="830997"/>
+          </a:xfrm>
+          <a:prstGeom prst="rect">
+            <a:avLst/>
+          </a:prstGeom>
+          <a:noFill/>
+        </p:spPr>
+        <p:txBody>
+          <a:bodyPr wrap="square" rtlCol="0">
+            <a:spAutoFit/>
+          </a:bodyPr>
+          <a:lstStyle/>
+          <a:p>
+            <a:pPr marL="742950" lvl="1" indent="-285750" defTabSz="914400">
+              <a:buFontTx/>
+              <a:buChar char="-"/>
+            </a:pPr>
+            <a:r>
+              <a:rPr lang="en-US" sz="1600" dirty="0" smtClean="0"/>
+              <a:t>Units Sold and Avg. Resell Price broken out by models.</a:t>
+            </a:r>
+          </a:p>
+          <a:p>
+            <a:pPr marL="742950" lvl="1" indent="-285750" defTabSz="914400">
+              <a:buFontTx/>
+              <a:buChar char="-"/>
+            </a:pPr>
+            <a:r>
+              <a:rPr lang="en-US" sz="1600" dirty="0" smtClean="0"/>
+              <a:t>Interesting trend in 750 model.  First colorway had no half sizes!</a:t>
+            </a:r>
+          </a:p>
+          <a:p>
+            <a:pPr marL="285750" marR="0" lvl="0" indent="-285750" defTabSz="914400" eaLnBrk="1" fontAlgn="auto" latinLnBrk="0" hangingPunct="1">
+              <a:lnSpc>
+                <a:spcPct val="100000"/>
+              </a:lnSpc>
+              <a:spcBef>
+                <a:spcPts val="0"/>
+              </a:spcBef>
+              <a:spcAft>
+                <a:spcPts val="0"/>
+              </a:spcAft>
+              <a:buClrTx/>
+              <a:buSzTx/>
+              <a:buFontTx/>
+              <a:buNone/>
+              <a:tabLst/>
+              <a:defRPr/>
+            </a:pPr>
+            <a:endParaRPr lang="en-US" sz="1600" dirty="0" smtClean="0"/>
+          </a:p>
+        </p:txBody>
+      </p:sp>
+      <p:pic>
+        <p:nvPicPr>
+          <p:cNvPr id="5" name="Content Placeholder 4"/>
+          <p:cNvPicPr>
+            <a:picLocks noGrp="1" noChangeAspect="1"/>
+          </p:cNvPicPr>
+          <p:nvPr>
+            <p:ph idx="1"/>
+          </p:nvPr>
+        </p:nvPicPr>
+        <p:blipFill>
+          <a:blip r:embed="rId3">
+            <a:extLst>
+              <a:ext uri="{28A0092B-C50C-407E-A947-70E740481C1C}">
+                <a14:useLocalDpi xmlns:a14="http://schemas.microsoft.com/office/drawing/2010/main" val="0"/>
+              </a:ext>
+            </a:extLst>
+          </a:blip>
+          <a:stretch>
+            <a:fillRect/>
+          </a:stretch>
+        </p:blipFill>
+        <p:spPr>
+          <a:xfrm>
+            <a:off x="914401" y="868681"/>
+            <a:ext cx="5589655" cy="4419659"/>
+          </a:xfrm>
+        </p:spPr>
+      </p:pic>
+      <p:pic>
+        <p:nvPicPr>
+          <p:cNvPr id="8" name="Picture 7"/>
+          <p:cNvPicPr>
+            <a:picLocks noChangeAspect="1"/>
+          </p:cNvPicPr>
+          <p:nvPr/>
+        </p:nvPicPr>
+        <p:blipFill>
+          <a:blip r:embed="rId4">
+            <a:extLst>
+              <a:ext uri="{28A0092B-C50C-407E-A947-70E740481C1C}">
+                <a14:useLocalDpi xmlns:a14="http://schemas.microsoft.com/office/drawing/2010/main" val="0"/>
+              </a:ext>
+            </a:extLst>
+          </a:blip>
+          <a:stretch>
+            <a:fillRect/>
+          </a:stretch>
+        </p:blipFill>
+        <p:spPr>
+          <a:xfrm>
+            <a:off x="6715109" y="868681"/>
+            <a:ext cx="5273691" cy="4419659"/>
+          </a:xfrm>
+          <a:prstGeom prst="rect">
+            <a:avLst/>
+          </a:prstGeom>
+        </p:spPr>
+      </p:pic>
+    </p:spTree>
+    <p:extLst>
+      <p:ext uri="{BB962C8B-B14F-4D97-AF65-F5344CB8AC3E}">
+        <p14:creationId xmlns:p14="http://schemas.microsoft.com/office/powerpoint/2010/main" val="747128538"/>
+      </p:ext>
+    </p:extLst>
+  </p:cSld>
+  <p:clrMapOvr>
+    <a:masterClrMapping/>
+  </p:clrMapOvr>
+  <p:timing>
+    <p:tnLst>
+      <p:par>
+        <p:cTn id="1" dur="indefinite" restart="never" nodeType="tmRoot"/>
+      </p:par>
+    </p:tnLst>
+  </p:timing>
+</p:sld>
+</file>
+
+<file path=ppt/slides/slide12.xml><?xml version="1.0" encoding="utf-8"?>
+<p:sld xmlns:a="http://schemas.openxmlformats.org/drawingml/2006/main" xmlns:r="http://schemas.openxmlformats.org/officeDocument/2006/relationships" xmlns:p="http://schemas.openxmlformats.org/presentationml/2006/main">
+  <p:cSld>
+    <p:spTree>
+      <p:nvGrpSpPr>
+        <p:cNvPr id="1" name=""/>
+        <p:cNvGrpSpPr/>
+        <p:nvPr/>
+      </p:nvGrpSpPr>
+      <p:grpSpPr>
+        <a:xfrm>
+          <a:off x="0" y="0"/>
+          <a:ext cx="0" cy="0"/>
+          <a:chOff x="0" y="0"/>
+          <a:chExt cx="0" cy="0"/>
+        </a:xfrm>
+      </p:grpSpPr>
+      <p:sp>
+        <p:nvSpPr>
+          <p:cNvPr id="2" name="Title 1"/>
+          <p:cNvSpPr>
+            <a:spLocks noGrp="1"/>
+          </p:cNvSpPr>
+          <p:nvPr>
+            <p:ph type="title"/>
+          </p:nvPr>
+        </p:nvSpPr>
+        <p:spPr/>
+        <p:txBody>
+          <a:bodyPr/>
+          <a:lstStyle/>
+          <a:p>
+            <a:r>
+              <a:rPr lang="en-US" dirty="0" err="1" smtClean="0"/>
+              <a:t>Yeezy</a:t>
+            </a:r>
+            <a:r>
+              <a:rPr lang="en-US" dirty="0" smtClean="0"/>
+              <a:t> 750 Models</a:t>
+            </a:r>
+            <a:endParaRPr lang="en-US" dirty="0"/>
+          </a:p>
+        </p:txBody>
+      </p:sp>
+      <p:pic>
+        <p:nvPicPr>
+          <p:cNvPr id="5" name="Picture 4"/>
+          <p:cNvPicPr>
+            <a:picLocks noChangeAspect="1"/>
+          </p:cNvPicPr>
+          <p:nvPr/>
+        </p:nvPicPr>
+        <p:blipFill>
+          <a:blip r:embed="rId2">
+            <a:extLst>
+              <a:ext uri="{28A0092B-C50C-407E-A947-70E740481C1C}">
+                <a14:useLocalDpi xmlns:a14="http://schemas.microsoft.com/office/drawing/2010/main" val="0"/>
+              </a:ext>
+            </a:extLst>
+          </a:blip>
+          <a:stretch>
+            <a:fillRect/>
+          </a:stretch>
+        </p:blipFill>
+        <p:spPr>
+          <a:xfrm>
+            <a:off x="914399" y="1866900"/>
+            <a:ext cx="11142117" cy="2628900"/>
+          </a:xfrm>
+          <a:prstGeom prst="rect">
+            <a:avLst/>
+          </a:prstGeom>
+        </p:spPr>
+      </p:pic>
+    </p:spTree>
+    <p:extLst>
+      <p:ext uri="{BB962C8B-B14F-4D97-AF65-F5344CB8AC3E}">
+        <p14:creationId xmlns:p14="http://schemas.microsoft.com/office/powerpoint/2010/main" val="119748994"/>
+      </p:ext>
+    </p:extLst>
+  </p:cSld>
+  <p:clrMapOvr>
+    <a:masterClrMapping/>
+  </p:clrMapOvr>
+  <p:timing>
+    <p:tnLst>
+      <p:par>
+        <p:cTn id="1" dur="indefinite" restart="never" nodeType="tmRoot"/>
+      </p:par>
+    </p:tnLst>
+  </p:timing>
+</p:sld>
+</file>
+
+<file path=ppt/slides/slide13.xml><?xml version="1.0" encoding="utf-8"?>
+<p:sld xmlns:a="http://schemas.openxmlformats.org/drawingml/2006/main" xmlns:r="http://schemas.openxmlformats.org/officeDocument/2006/relationships" xmlns:p="http://schemas.openxmlformats.org/presentationml/2006/main">
+  <p:cSld>
+    <p:spTree>
+      <p:nvGrpSpPr>
+        <p:cNvPr id="1" name=""/>
+        <p:cNvGrpSpPr/>
+        <p:nvPr/>
+      </p:nvGrpSpPr>
+      <p:grpSpPr>
+        <a:xfrm>
+          <a:off x="0" y="0"/>
+          <a:ext cx="0" cy="0"/>
+          <a:chOff x="0" y="0"/>
+          <a:chExt cx="0" cy="0"/>
+        </a:xfrm>
+      </p:grpSpPr>
+      <p:sp>
+        <p:nvSpPr>
+          <p:cNvPr id="2" name="Title 1"/>
+          <p:cNvSpPr>
+            <a:spLocks noGrp="1"/>
+          </p:cNvSpPr>
+          <p:nvPr>
+            <p:ph type="title"/>
+          </p:nvPr>
+        </p:nvSpPr>
+        <p:spPr>
+          <a:xfrm>
+            <a:off x="914401" y="157421"/>
+            <a:ext cx="9601200" cy="1005840"/>
+          </a:xfrm>
+        </p:spPr>
+        <p:txBody>
+          <a:bodyPr>
+            <a:normAutofit fontScale="90000"/>
+          </a:bodyPr>
+          <a:lstStyle/>
+          <a:p>
+            <a:r>
+              <a:rPr lang="en-US" sz="3600" dirty="0" err="1" smtClean="0"/>
+              <a:t>Yeezy</a:t>
+            </a:r>
+            <a:r>
+              <a:rPr lang="en-US" sz="3600" dirty="0" smtClean="0"/>
+              <a:t> Selling By Day of the Week</a:t>
+            </a:r>
+            <a:br>
+              <a:rPr lang="en-US" sz="3600" dirty="0" smtClean="0"/>
+            </a:br>
+            <a:endParaRPr lang="en-US" sz="3600" dirty="0"/>
+          </a:p>
+        </p:txBody>
+      </p:sp>
+      <p:sp>
+        <p:nvSpPr>
+          <p:cNvPr id="6" name="TextBox 5"/>
+          <p:cNvSpPr txBox="1"/>
+          <p:nvPr/>
+        </p:nvSpPr>
+        <p:spPr>
+          <a:xfrm>
+            <a:off x="914401" y="5288340"/>
+            <a:ext cx="10829908" cy="2062103"/>
+          </a:xfrm>
+          <a:prstGeom prst="rect">
+            <a:avLst/>
+          </a:prstGeom>
+          <a:noFill/>
+        </p:spPr>
+        <p:txBody>
+          <a:bodyPr wrap="square" rtlCol="0">
+            <a:spAutoFit/>
+          </a:bodyPr>
+          <a:lstStyle/>
+          <a:p>
+            <a:pPr marL="742950" lvl="1" indent="-285750" defTabSz="914400">
+              <a:buFontTx/>
+              <a:buChar char="-"/>
+            </a:pPr>
+            <a:r>
+              <a:rPr lang="en-US" sz="1600" dirty="0" smtClean="0"/>
+              <a:t>Interesting finding: significantly less shoes are sold on weekends than on weekdays.  Additionally, prices increase almost linearly from Monday to Sunday.</a:t>
+            </a:r>
+          </a:p>
+          <a:p>
+            <a:pPr marL="1200150" lvl="2" indent="-285750" defTabSz="914400">
+              <a:buFontTx/>
+              <a:buChar char="-"/>
+            </a:pPr>
+            <a:r>
+              <a:rPr lang="en-US" sz="1600" dirty="0" smtClean="0"/>
+              <a:t>Buyers shop during the week, and not on weekends.</a:t>
+            </a:r>
+          </a:p>
+          <a:p>
+            <a:pPr marL="1200150" lvl="2" indent="-285750" defTabSz="914400">
+              <a:buFontTx/>
+              <a:buChar char="-"/>
+            </a:pPr>
+            <a:r>
+              <a:rPr lang="en-US" sz="1600" dirty="0" smtClean="0"/>
+              <a:t>Pricing makes sense, as early shoppers get first dibs on most competitively priced pairs and as the week goes, the remaining offers are more and more expensive.</a:t>
+            </a:r>
+          </a:p>
+          <a:p>
+            <a:pPr marL="742950" lvl="1" indent="-285750" defTabSz="914400">
+              <a:buFontTx/>
+              <a:buChar char="-"/>
+            </a:pPr>
+            <a:endParaRPr lang="en-US" sz="1600" dirty="0" smtClean="0"/>
+          </a:p>
+          <a:p>
+            <a:pPr marL="742950" lvl="1" indent="-285750" defTabSz="914400">
+              <a:buFontTx/>
+              <a:buChar char="-"/>
+            </a:pPr>
+            <a:endParaRPr lang="en-US" sz="1600" dirty="0" smtClean="0"/>
+          </a:p>
+          <a:p>
+            <a:pPr marL="285750" marR="0" lvl="0" indent="-285750" defTabSz="914400" eaLnBrk="1" fontAlgn="auto" latinLnBrk="0" hangingPunct="1">
+              <a:lnSpc>
+                <a:spcPct val="100000"/>
+              </a:lnSpc>
+              <a:spcBef>
+                <a:spcPts val="0"/>
+              </a:spcBef>
+              <a:spcAft>
+                <a:spcPts val="0"/>
+              </a:spcAft>
+              <a:buClrTx/>
+              <a:buSzTx/>
+              <a:buFontTx/>
+              <a:buNone/>
+              <a:tabLst/>
+              <a:defRPr/>
+            </a:pPr>
+            <a:endParaRPr lang="en-US" sz="1600" dirty="0" smtClean="0"/>
+          </a:p>
+        </p:txBody>
+      </p:sp>
+      <p:pic>
+        <p:nvPicPr>
+          <p:cNvPr id="5" name="Content Placeholder 4"/>
+          <p:cNvPicPr>
+            <a:picLocks noGrp="1" noChangeAspect="1"/>
+          </p:cNvPicPr>
+          <p:nvPr>
+            <p:ph idx="1"/>
+          </p:nvPr>
+        </p:nvPicPr>
+        <p:blipFill>
+          <a:blip r:embed="rId3">
+            <a:extLst>
+              <a:ext uri="{28A0092B-C50C-407E-A947-70E740481C1C}">
+                <a14:useLocalDpi xmlns:a14="http://schemas.microsoft.com/office/drawing/2010/main" val="0"/>
+              </a:ext>
+            </a:extLst>
+          </a:blip>
+          <a:stretch>
+            <a:fillRect/>
+          </a:stretch>
+        </p:blipFill>
+        <p:spPr>
+          <a:xfrm>
+            <a:off x="914401" y="868681"/>
+            <a:ext cx="5663973" cy="4211319"/>
+          </a:xfrm>
+        </p:spPr>
+      </p:pic>
+      <p:pic>
+        <p:nvPicPr>
+          <p:cNvPr id="8" name="Picture 7"/>
+          <p:cNvPicPr>
+            <a:picLocks noChangeAspect="1"/>
+          </p:cNvPicPr>
+          <p:nvPr/>
+        </p:nvPicPr>
+        <p:blipFill>
+          <a:blip r:embed="rId4">
+            <a:extLst>
+              <a:ext uri="{28A0092B-C50C-407E-A947-70E740481C1C}">
+                <a14:useLocalDpi xmlns:a14="http://schemas.microsoft.com/office/drawing/2010/main" val="0"/>
+              </a:ext>
+            </a:extLst>
+          </a:blip>
+          <a:stretch>
+            <a:fillRect/>
+          </a:stretch>
+        </p:blipFill>
+        <p:spPr>
+          <a:xfrm>
+            <a:off x="6715109" y="868681"/>
+            <a:ext cx="5434556" cy="4211319"/>
+          </a:xfrm>
+          <a:prstGeom prst="rect">
+            <a:avLst/>
+          </a:prstGeom>
+        </p:spPr>
+      </p:pic>
+    </p:spTree>
+    <p:extLst>
+      <p:ext uri="{BB962C8B-B14F-4D97-AF65-F5344CB8AC3E}">
+        <p14:creationId xmlns:p14="http://schemas.microsoft.com/office/powerpoint/2010/main" val="1930698719"/>
+      </p:ext>
+    </p:extLst>
+  </p:cSld>
+  <p:clrMapOvr>
+    <a:masterClrMapping/>
+  </p:clrMapOvr>
+  <p:timing>
+    <p:tnLst>
+      <p:par>
+        <p:cTn id="1" dur="indefinite" restart="never" nodeType="tmRoot"/>
+      </p:par>
+    </p:tnLst>
+  </p:timing>
+</p:sld>
+</file>
+
+<file path=ppt/slides/slide14.xml><?xml version="1.0" encoding="utf-8"?>
+<p:sld xmlns:a="http://schemas.openxmlformats.org/drawingml/2006/main" xmlns:r="http://schemas.openxmlformats.org/officeDocument/2006/relationships" xmlns:p="http://schemas.openxmlformats.org/presentationml/2006/main">
+  <p:cSld>
+    <p:spTree>
+      <p:nvGrpSpPr>
+        <p:cNvPr id="1" name=""/>
+        <p:cNvGrpSpPr/>
+        <p:nvPr/>
+      </p:nvGrpSpPr>
+      <p:grpSpPr>
+        <a:xfrm>
+          <a:off x="0" y="0"/>
+          <a:ext cx="0" cy="0"/>
+          <a:chOff x="0" y="0"/>
+          <a:chExt cx="0" cy="0"/>
+        </a:xfrm>
+      </p:grpSpPr>
+      <p:sp>
+        <p:nvSpPr>
+          <p:cNvPr id="2" name="Title 1"/>
+          <p:cNvSpPr>
+            <a:spLocks noGrp="1"/>
+          </p:cNvSpPr>
+          <p:nvPr>
+            <p:ph type="title"/>
+          </p:nvPr>
+        </p:nvSpPr>
+        <p:spPr>
+          <a:xfrm>
+            <a:off x="1371600" y="215927"/>
+            <a:ext cx="9601200" cy="1005840"/>
+          </a:xfrm>
+        </p:spPr>
+        <p:txBody>
+          <a:bodyPr>
+            <a:normAutofit/>
+          </a:bodyPr>
+          <a:lstStyle/>
+          <a:p>
+            <a:r>
+              <a:rPr lang="en-US" sz="3600" dirty="0" smtClean="0"/>
+              <a:t>Price By Color</a:t>
+            </a:r>
+            <a:endParaRPr lang="en-US" sz="3600" dirty="0"/>
+          </a:p>
+        </p:txBody>
+      </p:sp>
+      <p:sp>
+        <p:nvSpPr>
+          <p:cNvPr id="6" name="TextBox 5"/>
+          <p:cNvSpPr txBox="1"/>
+          <p:nvPr/>
+        </p:nvSpPr>
+        <p:spPr>
+          <a:xfrm>
+            <a:off x="2276954" y="5714587"/>
+            <a:ext cx="8604250" cy="830997"/>
+          </a:xfrm>
+          <a:prstGeom prst="rect">
+            <a:avLst/>
+          </a:prstGeom>
+          <a:noFill/>
+        </p:spPr>
+        <p:txBody>
+          <a:bodyPr wrap="square" rtlCol="0">
+            <a:spAutoFit/>
+          </a:bodyPr>
+          <a:lstStyle/>
+          <a:p>
+            <a:pPr marL="285750" indent="-285750" defTabSz="914400">
+              <a:buFontTx/>
+              <a:buChar char="-"/>
+            </a:pPr>
+            <a:r>
+              <a:rPr lang="en-US" sz="1600" dirty="0" smtClean="0"/>
+              <a:t>Interesting fact: </a:t>
+            </a:r>
+            <a:r>
+              <a:rPr lang="en-US" sz="1600" dirty="0"/>
+              <a:t>A</a:t>
+            </a:r>
+            <a:r>
+              <a:rPr lang="en-US" sz="1600" dirty="0" smtClean="0"/>
+              <a:t>lmost </a:t>
+            </a:r>
+            <a:r>
+              <a:rPr lang="en-US" sz="1600" dirty="0"/>
+              <a:t>$1000 difference in price between grey and </a:t>
+            </a:r>
+            <a:r>
+              <a:rPr lang="en-US" sz="1600" dirty="0" smtClean="0"/>
+              <a:t>white </a:t>
+            </a:r>
+            <a:r>
+              <a:rPr lang="en-US" sz="1600" dirty="0" err="1"/>
+              <a:t>Y</a:t>
+            </a:r>
+            <a:r>
+              <a:rPr lang="en-US" sz="1600" dirty="0" err="1" smtClean="0"/>
+              <a:t>eezy</a:t>
+            </a:r>
+            <a:r>
+              <a:rPr lang="en-US" sz="1600" dirty="0" smtClean="0"/>
+              <a:t> sneakers!</a:t>
+            </a:r>
+          </a:p>
+          <a:p>
+            <a:pPr marL="285750" indent="-285750" defTabSz="914400">
+              <a:buFontTx/>
+              <a:buChar char="-"/>
+            </a:pPr>
+            <a:r>
+              <a:rPr lang="en-US" sz="1600" dirty="0" smtClean="0"/>
+              <a:t>Chart can be useful in predicting resell prices of future </a:t>
+            </a:r>
+            <a:r>
+              <a:rPr lang="en-US" sz="1600" dirty="0" err="1" smtClean="0"/>
+              <a:t>yeezy</a:t>
+            </a:r>
+            <a:r>
+              <a:rPr lang="en-US" sz="1600" dirty="0" smtClean="0"/>
+              <a:t> sneakers.</a:t>
+            </a:r>
+            <a:endParaRPr lang="en-US" sz="1600" dirty="0"/>
+          </a:p>
+          <a:p>
+            <a:pPr marL="285750" marR="0" lvl="0" indent="-285750" defTabSz="914400" eaLnBrk="1" fontAlgn="auto" latinLnBrk="0" hangingPunct="1">
+              <a:lnSpc>
+                <a:spcPct val="100000"/>
+              </a:lnSpc>
+              <a:spcBef>
+                <a:spcPts val="0"/>
+              </a:spcBef>
+              <a:spcAft>
+                <a:spcPts val="0"/>
+              </a:spcAft>
+              <a:buClrTx/>
+              <a:buSzTx/>
+              <a:buFontTx/>
+              <a:buChar char="-"/>
+              <a:tabLst/>
+              <a:defRPr/>
+            </a:pPr>
+            <a:endParaRPr lang="en-US" sz="1600" dirty="0" smtClean="0"/>
+          </a:p>
+        </p:txBody>
+      </p:sp>
+      <p:pic>
+        <p:nvPicPr>
+          <p:cNvPr id="7" name="Content Placeholder 6"/>
+          <p:cNvPicPr>
+            <a:picLocks noGrp="1" noChangeAspect="1"/>
+          </p:cNvPicPr>
+          <p:nvPr>
+            <p:ph idx="1"/>
+          </p:nvPr>
+        </p:nvPicPr>
+        <p:blipFill>
+          <a:blip r:embed="rId3">
+            <a:extLst>
+              <a:ext uri="{28A0092B-C50C-407E-A947-70E740481C1C}">
+                <a14:useLocalDpi xmlns:a14="http://schemas.microsoft.com/office/drawing/2010/main" val="0"/>
+              </a:ext>
+            </a:extLst>
+          </a:blip>
+          <a:stretch>
+            <a:fillRect/>
+          </a:stretch>
+        </p:blipFill>
+        <p:spPr>
+          <a:xfrm>
+            <a:off x="2003612" y="718847"/>
+            <a:ext cx="8969188" cy="4995340"/>
+          </a:xfrm>
+        </p:spPr>
+      </p:pic>
+    </p:spTree>
+    <p:extLst>
+      <p:ext uri="{BB962C8B-B14F-4D97-AF65-F5344CB8AC3E}">
+        <p14:creationId xmlns:p14="http://schemas.microsoft.com/office/powerpoint/2010/main" val="162299203"/>
+      </p:ext>
+    </p:extLst>
+  </p:cSld>
+  <p:clrMapOvr>
+    <a:masterClrMapping/>
+  </p:clrMapOvr>
+  <p:timing>
+    <p:tnLst>
+      <p:par>
+        <p:cTn id="1" dur="indefinite" restart="never" nodeType="tmRoot"/>
+      </p:par>
+    </p:tnLst>
+  </p:timing>
+</p:sld>
+</file>
+
+<file path=ppt/slides/slide15.xml><?xml version="1.0" encoding="utf-8"?>
+<p:sld xmlns:a="http://schemas.openxmlformats.org/drawingml/2006/main" xmlns:r="http://schemas.openxmlformats.org/officeDocument/2006/relationships" xmlns:p="http://schemas.openxmlformats.org/presentationml/2006/main">
+  <p:cSld>
+    <p:spTree>
+      <p:nvGrpSpPr>
+        <p:cNvPr id="1" name=""/>
+        <p:cNvGrpSpPr/>
+        <p:nvPr/>
+      </p:nvGrpSpPr>
+      <p:grpSpPr>
+        <a:xfrm>
+          <a:off x="0" y="0"/>
+          <a:ext cx="0" cy="0"/>
+          <a:chOff x="0" y="0"/>
+          <a:chExt cx="0" cy="0"/>
+        </a:xfrm>
+      </p:grpSpPr>
+      <p:sp>
+        <p:nvSpPr>
+          <p:cNvPr id="2" name="Title 1"/>
+          <p:cNvSpPr>
+            <a:spLocks noGrp="1"/>
+          </p:cNvSpPr>
+          <p:nvPr>
+            <p:ph type="title"/>
+          </p:nvPr>
+        </p:nvSpPr>
+        <p:spPr>
+          <a:xfrm>
+            <a:off x="914401" y="157421"/>
+            <a:ext cx="9601200" cy="1005840"/>
+          </a:xfrm>
+        </p:spPr>
+        <p:txBody>
+          <a:bodyPr>
+            <a:normAutofit/>
+          </a:bodyPr>
+          <a:lstStyle/>
+          <a:p>
+            <a:r>
+              <a:rPr lang="en-US" sz="3600" dirty="0" smtClean="0"/>
+              <a:t>Prices Over Time</a:t>
+            </a:r>
+            <a:endParaRPr lang="en-US" sz="3600" dirty="0"/>
+          </a:p>
+        </p:txBody>
+      </p:sp>
+      <p:sp>
+        <p:nvSpPr>
+          <p:cNvPr id="6" name="TextBox 5"/>
+          <p:cNvSpPr txBox="1"/>
+          <p:nvPr/>
+        </p:nvSpPr>
+        <p:spPr>
+          <a:xfrm>
+            <a:off x="914401" y="5651411"/>
+            <a:ext cx="10829908" cy="1077218"/>
+          </a:xfrm>
+          <a:prstGeom prst="rect">
+            <a:avLst/>
+          </a:prstGeom>
+          <a:noFill/>
+        </p:spPr>
+        <p:txBody>
+          <a:bodyPr wrap="square" rtlCol="0">
+            <a:spAutoFit/>
+          </a:bodyPr>
+          <a:lstStyle/>
+          <a:p>
+            <a:pPr marL="742950" lvl="1" indent="-285750" defTabSz="914400">
+              <a:buFontTx/>
+              <a:buChar char="-"/>
+            </a:pPr>
+            <a:r>
+              <a:rPr lang="en-US" sz="1600" dirty="0" smtClean="0"/>
+              <a:t>Is the value of </a:t>
+            </a:r>
+            <a:r>
+              <a:rPr lang="en-US" sz="1600" dirty="0" err="1" smtClean="0"/>
+              <a:t>Yeezy</a:t>
+            </a:r>
+            <a:r>
+              <a:rPr lang="en-US" sz="1600" dirty="0" smtClean="0"/>
+              <a:t> sneakers declining over time?</a:t>
+            </a:r>
+          </a:p>
+          <a:p>
+            <a:pPr marL="742950" lvl="1" indent="-285750" defTabSz="914400">
+              <a:buFontTx/>
+              <a:buChar char="-"/>
+            </a:pPr>
+            <a:endParaRPr lang="en-US" sz="1600" dirty="0" smtClean="0"/>
+          </a:p>
+          <a:p>
+            <a:pPr marL="742950" lvl="1" indent="-285750" defTabSz="914400">
+              <a:buFontTx/>
+              <a:buChar char="-"/>
+            </a:pPr>
+            <a:endParaRPr lang="en-US" sz="1600" dirty="0" smtClean="0"/>
+          </a:p>
+          <a:p>
+            <a:pPr marL="285750" marR="0" lvl="0" indent="-285750" defTabSz="914400" eaLnBrk="1" fontAlgn="auto" latinLnBrk="0" hangingPunct="1">
+              <a:lnSpc>
+                <a:spcPct val="100000"/>
+              </a:lnSpc>
+              <a:spcBef>
+                <a:spcPts val="0"/>
+              </a:spcBef>
+              <a:spcAft>
+                <a:spcPts val="0"/>
+              </a:spcAft>
+              <a:buClrTx/>
+              <a:buSzTx/>
+              <a:buFontTx/>
+              <a:buNone/>
+              <a:tabLst/>
+              <a:defRPr/>
+            </a:pPr>
+            <a:endParaRPr lang="en-US" sz="1600" dirty="0" smtClean="0"/>
+          </a:p>
+        </p:txBody>
+      </p:sp>
+      <p:pic>
+        <p:nvPicPr>
+          <p:cNvPr id="4" name="Content Placeholder 3"/>
+          <p:cNvPicPr>
+            <a:picLocks noGrp="1" noChangeAspect="1"/>
+          </p:cNvPicPr>
+          <p:nvPr>
+            <p:ph idx="1"/>
+          </p:nvPr>
+        </p:nvPicPr>
+        <p:blipFill>
+          <a:blip r:embed="rId3">
+            <a:extLst>
+              <a:ext uri="{28A0092B-C50C-407E-A947-70E740481C1C}">
+                <a14:useLocalDpi xmlns:a14="http://schemas.microsoft.com/office/drawing/2010/main" val="0"/>
+              </a:ext>
+            </a:extLst>
+          </a:blip>
+          <a:stretch>
+            <a:fillRect/>
+          </a:stretch>
+        </p:blipFill>
+        <p:spPr>
+          <a:xfrm>
+            <a:off x="1711811" y="794811"/>
+            <a:ext cx="9718191" cy="4678142"/>
+          </a:xfrm>
+        </p:spPr>
+      </p:pic>
+    </p:spTree>
+    <p:extLst>
+      <p:ext uri="{BB962C8B-B14F-4D97-AF65-F5344CB8AC3E}">
+        <p14:creationId xmlns:p14="http://schemas.microsoft.com/office/powerpoint/2010/main" val="1486301647"/>
+      </p:ext>
+    </p:extLst>
+  </p:cSld>
+  <p:clrMapOvr>
+    <a:masterClrMapping/>
+  </p:clrMapOvr>
+  <p:timing>
+    <p:tnLst>
+      <p:par>
+        <p:cTn id="1" dur="indefinite" restart="never" nodeType="tmRoot"/>
+      </p:par>
+    </p:tnLst>
+  </p:timing>
+</p:sld>
+</file>
+
+<file path=ppt/slides/slide16.xml><?xml version="1.0" encoding="utf-8"?>
+<p:sld xmlns:a="http://schemas.openxmlformats.org/drawingml/2006/main" xmlns:r="http://schemas.openxmlformats.org/officeDocument/2006/relationships" xmlns:p="http://schemas.openxmlformats.org/presentationml/2006/main">
+  <p:cSld>
+    <p:spTree>
+      <p:nvGrpSpPr>
+        <p:cNvPr id="1" name=""/>
+        <p:cNvGrpSpPr/>
+        <p:nvPr/>
+      </p:nvGrpSpPr>
+      <p:grpSpPr>
+        <a:xfrm>
+          <a:off x="0" y="0"/>
+          <a:ext cx="0" cy="0"/>
+          <a:chOff x="0" y="0"/>
+          <a:chExt cx="0" cy="0"/>
+        </a:xfrm>
+      </p:grpSpPr>
+      <p:sp>
+        <p:nvSpPr>
+          <p:cNvPr id="2" name="Title 1"/>
+          <p:cNvSpPr>
+            <a:spLocks noGrp="1"/>
+          </p:cNvSpPr>
+          <p:nvPr>
+            <p:ph type="title"/>
+          </p:nvPr>
+        </p:nvSpPr>
+        <p:spPr>
+          <a:xfrm>
+            <a:off x="914401" y="157421"/>
+            <a:ext cx="9601200" cy="1005840"/>
+          </a:xfrm>
+        </p:spPr>
+        <p:txBody>
+          <a:bodyPr>
+            <a:normAutofit/>
+          </a:bodyPr>
+          <a:lstStyle/>
+          <a:p>
+            <a:r>
+              <a:rPr lang="en-US" sz="3600" dirty="0" smtClean="0"/>
+              <a:t>Prices Over Time</a:t>
+            </a:r>
+            <a:endParaRPr lang="en-US" sz="3600" dirty="0"/>
+          </a:p>
+        </p:txBody>
+      </p:sp>
+      <p:sp>
+        <p:nvSpPr>
+          <p:cNvPr id="6" name="TextBox 5"/>
+          <p:cNvSpPr txBox="1"/>
+          <p:nvPr/>
+        </p:nvSpPr>
+        <p:spPr>
+          <a:xfrm>
+            <a:off x="914401" y="5794701"/>
+            <a:ext cx="10829908" cy="1200329"/>
+          </a:xfrm>
+          <a:prstGeom prst="rect">
+            <a:avLst/>
+          </a:prstGeom>
+          <a:noFill/>
+        </p:spPr>
+        <p:txBody>
+          <a:bodyPr wrap="square" rtlCol="0">
+            <a:spAutoFit/>
+          </a:bodyPr>
+          <a:lstStyle/>
+          <a:p>
+            <a:pPr marL="285750" marR="0" lvl="0" indent="-285750" defTabSz="914400" eaLnBrk="1" fontAlgn="auto" latinLnBrk="0" hangingPunct="1">
+              <a:lnSpc>
+                <a:spcPct val="100000"/>
+              </a:lnSpc>
+              <a:spcBef>
+                <a:spcPts val="0"/>
+              </a:spcBef>
+              <a:spcAft>
+                <a:spcPts val="0"/>
+              </a:spcAft>
+              <a:buClrTx/>
+              <a:buSzTx/>
+              <a:buFontTx/>
+              <a:buChar char="-"/>
+              <a:tabLst/>
+              <a:defRPr/>
+            </a:pPr>
+            <a:r>
+              <a:rPr lang="en-US" sz="1400" dirty="0" smtClean="0"/>
+              <a:t>Tracking resell prices over time for individual styles (Top 10 Styles) to see if they are depreciating.</a:t>
+            </a:r>
+          </a:p>
+          <a:p>
+            <a:pPr marL="285750" marR="0" lvl="0" indent="-285750" defTabSz="914400" eaLnBrk="1" fontAlgn="auto" latinLnBrk="0" hangingPunct="1">
+              <a:lnSpc>
+                <a:spcPct val="100000"/>
+              </a:lnSpc>
+              <a:spcBef>
+                <a:spcPts val="0"/>
+              </a:spcBef>
+              <a:spcAft>
+                <a:spcPts val="0"/>
+              </a:spcAft>
+              <a:buClrTx/>
+              <a:buSzTx/>
+              <a:buFontTx/>
+              <a:buChar char="-"/>
+              <a:tabLst/>
+              <a:defRPr/>
+            </a:pPr>
+            <a:r>
+              <a:rPr lang="en-US" sz="1400" dirty="0" smtClean="0"/>
+              <a:t>Although there is fluctuation, looks like in general individual styles have no negative trend.</a:t>
+            </a:r>
+          </a:p>
+          <a:p>
+            <a:pPr marL="285750" marR="0" lvl="0" indent="-285750" defTabSz="914400" eaLnBrk="1" fontAlgn="auto" latinLnBrk="0" hangingPunct="1">
+              <a:lnSpc>
+                <a:spcPct val="100000"/>
+              </a:lnSpc>
+              <a:spcBef>
+                <a:spcPts val="0"/>
+              </a:spcBef>
+              <a:spcAft>
+                <a:spcPts val="0"/>
+              </a:spcAft>
+              <a:buClrTx/>
+              <a:buSzTx/>
+              <a:buFontTx/>
+              <a:buChar char="-"/>
+              <a:tabLst/>
+              <a:defRPr/>
+            </a:pPr>
+            <a:r>
+              <a:rPr lang="en-US" sz="1400" dirty="0" smtClean="0"/>
+              <a:t>Conclusion: Newer styles are reselling at lower prices, bringing down total average price of </a:t>
+            </a:r>
+            <a:r>
+              <a:rPr lang="en-US" sz="1400" dirty="0" err="1" smtClean="0"/>
+              <a:t>Yeezy</a:t>
+            </a:r>
+            <a:r>
+              <a:rPr lang="en-US" sz="1400" dirty="0" smtClean="0"/>
+              <a:t> sneakers but sneakers are not declining in resell price.</a:t>
+            </a:r>
+          </a:p>
+          <a:p>
+            <a:pPr marL="285750" marR="0" lvl="0" indent="-285750" defTabSz="914400" eaLnBrk="1" fontAlgn="auto" latinLnBrk="0" hangingPunct="1">
+              <a:lnSpc>
+                <a:spcPct val="100000"/>
+              </a:lnSpc>
+              <a:spcBef>
+                <a:spcPts val="0"/>
+              </a:spcBef>
+              <a:spcAft>
+                <a:spcPts val="0"/>
+              </a:spcAft>
+              <a:buClrTx/>
+              <a:buSzTx/>
+              <a:buFontTx/>
+              <a:buNone/>
+              <a:tabLst/>
+              <a:defRPr/>
+            </a:pPr>
+            <a:endParaRPr lang="en-US" sz="1600" dirty="0" smtClean="0"/>
+          </a:p>
+        </p:txBody>
+      </p:sp>
+      <p:pic>
+        <p:nvPicPr>
+          <p:cNvPr id="5" name="Content Placeholder 4"/>
+          <p:cNvPicPr>
+            <a:picLocks noGrp="1" noChangeAspect="1"/>
+          </p:cNvPicPr>
+          <p:nvPr>
+            <p:ph idx="1"/>
+          </p:nvPr>
+        </p:nvPicPr>
+        <p:blipFill>
+          <a:blip r:embed="rId3">
+            <a:extLst>
+              <a:ext uri="{28A0092B-C50C-407E-A947-70E740481C1C}">
+                <a14:useLocalDpi xmlns:a14="http://schemas.microsoft.com/office/drawing/2010/main" val="0"/>
+              </a:ext>
+            </a:extLst>
+          </a:blip>
+          <a:stretch>
+            <a:fillRect/>
+          </a:stretch>
+        </p:blipFill>
+        <p:spPr>
+          <a:xfrm>
+            <a:off x="1642686" y="793375"/>
+            <a:ext cx="8980491" cy="4965537"/>
+          </a:xfrm>
+        </p:spPr>
+      </p:pic>
+    </p:spTree>
+    <p:extLst>
+      <p:ext uri="{BB962C8B-B14F-4D97-AF65-F5344CB8AC3E}">
+        <p14:creationId xmlns:p14="http://schemas.microsoft.com/office/powerpoint/2010/main" val="984542682"/>
+      </p:ext>
+    </p:extLst>
+  </p:cSld>
+  <p:clrMapOvr>
+    <a:masterClrMapping/>
+  </p:clrMapOvr>
+  <p:timing>
+    <p:tnLst>
+      <p:par>
+        <p:cTn id="1" dur="indefinite" restart="never" nodeType="tmRoot"/>
+      </p:par>
+    </p:tnLst>
+  </p:timing>
+</p:sld>
+</file>
+
+<file path=ppt/slides/slide17.xml><?xml version="1.0" encoding="utf-8"?>
+<p:sld xmlns:a="http://schemas.openxmlformats.org/drawingml/2006/main" xmlns:r="http://schemas.openxmlformats.org/officeDocument/2006/relationships" xmlns:p="http://schemas.openxmlformats.org/presentationml/2006/main">
+  <p:cSld>
+    <p:spTree>
+      <p:nvGrpSpPr>
+        <p:cNvPr id="1" name=""/>
+        <p:cNvGrpSpPr/>
+        <p:nvPr/>
+      </p:nvGrpSpPr>
+      <p:grpSpPr>
+        <a:xfrm>
+          <a:off x="0" y="0"/>
+          <a:ext cx="0" cy="0"/>
+          <a:chOff x="0" y="0"/>
+          <a:chExt cx="0" cy="0"/>
+        </a:xfrm>
+      </p:grpSpPr>
+      <p:sp>
+        <p:nvSpPr>
+          <p:cNvPr id="2" name="Title 1"/>
+          <p:cNvSpPr>
+            <a:spLocks noGrp="1"/>
+          </p:cNvSpPr>
+          <p:nvPr>
+            <p:ph type="title"/>
+          </p:nvPr>
+        </p:nvSpPr>
+        <p:spPr/>
+        <p:txBody>
+          <a:bodyPr/>
+          <a:lstStyle/>
+          <a:p>
+            <a:r>
+              <a:rPr lang="en-US" dirty="0" smtClean="0"/>
+              <a:t>Conclusions</a:t>
+            </a:r>
+            <a:endParaRPr lang="en-US" dirty="0"/>
+          </a:p>
+        </p:txBody>
+      </p:sp>
+      <p:sp>
+        <p:nvSpPr>
+          <p:cNvPr id="3" name="Content Placeholder 2"/>
+          <p:cNvSpPr>
+            <a:spLocks noGrp="1"/>
+          </p:cNvSpPr>
+          <p:nvPr>
+            <p:ph idx="1"/>
+          </p:nvPr>
+        </p:nvSpPr>
+        <p:spPr>
+          <a:xfrm>
+            <a:off x="1371600" y="1411941"/>
+            <a:ext cx="9601200" cy="4455459"/>
+          </a:xfrm>
+        </p:spPr>
+        <p:txBody>
+          <a:bodyPr>
+            <a:normAutofit/>
+          </a:bodyPr>
+          <a:lstStyle/>
+          <a:p>
+            <a:r>
+              <a:rPr lang="en-US" dirty="0" smtClean="0"/>
+              <a:t>For Sellers:</a:t>
+            </a:r>
+          </a:p>
+          <a:p>
+            <a:pPr lvl="1"/>
+            <a:r>
+              <a:rPr lang="en-US" dirty="0" smtClean="0"/>
+              <a:t>Will get most return from </a:t>
+            </a:r>
+            <a:r>
+              <a:rPr lang="en-US" dirty="0"/>
+              <a:t>either really </a:t>
+            </a:r>
+            <a:r>
+              <a:rPr lang="en-US" dirty="0" smtClean="0"/>
+              <a:t>large sizes </a:t>
+            </a:r>
+            <a:r>
+              <a:rPr lang="en-US" dirty="0"/>
+              <a:t>or the most common </a:t>
+            </a:r>
+            <a:r>
+              <a:rPr lang="en-US" dirty="0" smtClean="0"/>
+              <a:t>sizes 9, 10, 11.</a:t>
+            </a:r>
+            <a:endParaRPr lang="en-US" dirty="0"/>
+          </a:p>
+          <a:p>
+            <a:pPr lvl="1"/>
+            <a:r>
+              <a:rPr lang="en-US" dirty="0" smtClean="0"/>
+              <a:t>Gray color sneakers sell at highest </a:t>
+            </a:r>
+            <a:r>
+              <a:rPr lang="en-US" dirty="0" err="1" smtClean="0"/>
+              <a:t>pricepoint</a:t>
+            </a:r>
+            <a:endParaRPr lang="en-US" dirty="0"/>
+          </a:p>
+          <a:p>
+            <a:pPr lvl="1"/>
+            <a:r>
+              <a:rPr lang="en-US" dirty="0" smtClean="0"/>
+              <a:t>Any 750 model will get you rich.</a:t>
+            </a:r>
+            <a:r>
+              <a:rPr lang="en-US" dirty="0"/>
+              <a:t/>
+            </a:r>
+            <a:br>
+              <a:rPr lang="en-US" dirty="0"/>
+            </a:br>
+            <a:endParaRPr lang="en-US" dirty="0"/>
+          </a:p>
+          <a:p>
+            <a:r>
+              <a:rPr lang="en-US" dirty="0"/>
+              <a:t>B</a:t>
+            </a:r>
+            <a:r>
+              <a:rPr lang="en-US" dirty="0" smtClean="0"/>
+              <a:t>uyer</a:t>
+            </a:r>
+            <a:r>
+              <a:rPr lang="en-US" dirty="0"/>
+              <a:t>:</a:t>
+            </a:r>
+          </a:p>
+          <a:p>
+            <a:pPr lvl="1"/>
+            <a:r>
+              <a:rPr lang="en-US" dirty="0" smtClean="0"/>
+              <a:t>Shop earlier during the week!</a:t>
+            </a:r>
+            <a:endParaRPr lang="en-US" dirty="0"/>
+          </a:p>
+          <a:p>
+            <a:pPr lvl="1"/>
+            <a:r>
+              <a:rPr lang="en-US" dirty="0" smtClean="0"/>
+              <a:t>easiest </a:t>
+            </a:r>
+            <a:r>
+              <a:rPr lang="en-US" dirty="0"/>
+              <a:t>to find 9,10,11 </a:t>
+            </a:r>
+            <a:r>
+              <a:rPr lang="en-US" dirty="0" smtClean="0"/>
+              <a:t>sizes</a:t>
+            </a:r>
+            <a:endParaRPr lang="en-US" dirty="0"/>
+          </a:p>
+          <a:p>
+            <a:pPr lvl="1"/>
+            <a:r>
+              <a:rPr lang="en-US" dirty="0"/>
+              <a:t>white colors are most </a:t>
+            </a:r>
+            <a:r>
+              <a:rPr lang="en-US" dirty="0" smtClean="0"/>
+              <a:t>affordable</a:t>
+            </a:r>
+            <a:endParaRPr lang="en-US" dirty="0"/>
+          </a:p>
+          <a:p>
+            <a:endParaRPr lang="en-US" dirty="0"/>
+          </a:p>
+        </p:txBody>
+      </p:sp>
+    </p:spTree>
+    <p:extLst>
+      <p:ext uri="{BB962C8B-B14F-4D97-AF65-F5344CB8AC3E}">
+        <p14:creationId xmlns:p14="http://schemas.microsoft.com/office/powerpoint/2010/main" val="1391779207"/>
+      </p:ext>
+    </p:extLst>
+  </p:cSld>
+  <p:clrMapOvr>
+    <a:masterClrMapping/>
+  </p:clrMapOvr>
+  <p:timing>
+    <p:tnLst>
+      <p:par>
+        <p:cTn id="1" dur="indefinite" restart="never" nodeType="tmRoot"/>
+      </p:par>
+    </p:tnLst>
+  </p:timing>
+</p:sld>
+</file>
+
+<file path=ppt/slides/slide18.xml><?xml version="1.0" encoding="utf-8"?>
+<p:sld xmlns:a="http://schemas.openxmlformats.org/drawingml/2006/main" xmlns:r="http://schemas.openxmlformats.org/officeDocument/2006/relationships" xmlns:p="http://schemas.openxmlformats.org/presentationml/2006/main">
+  <p:cSld>
+    <p:spTree>
+      <p:nvGrpSpPr>
+        <p:cNvPr id="1" name=""/>
+        <p:cNvGrpSpPr/>
+        <p:nvPr/>
+      </p:nvGrpSpPr>
+      <p:grpSpPr>
+        <a:xfrm>
+          <a:off x="0" y="0"/>
+          <a:ext cx="0" cy="0"/>
+          <a:chOff x="0" y="0"/>
+          <a:chExt cx="0" cy="0"/>
+        </a:xfrm>
+      </p:grpSpPr>
+      <p:sp>
+        <p:nvSpPr>
+          <p:cNvPr id="2" name="Title 1"/>
+          <p:cNvSpPr>
+            <a:spLocks noGrp="1"/>
+          </p:cNvSpPr>
+          <p:nvPr>
+            <p:ph type="title"/>
+          </p:nvPr>
+        </p:nvSpPr>
+        <p:spPr/>
+        <p:txBody>
+          <a:bodyPr/>
+          <a:lstStyle/>
+          <a:p>
+            <a:r>
+              <a:rPr lang="en-US" dirty="0" smtClean="0"/>
+              <a:t>Opportunities For </a:t>
+            </a:r>
+            <a:r>
+              <a:rPr lang="en-US" smtClean="0"/>
+              <a:t>The Future</a:t>
+            </a:r>
+            <a:endParaRPr lang="en-US" dirty="0"/>
+          </a:p>
+        </p:txBody>
+      </p:sp>
+      <p:sp>
+        <p:nvSpPr>
+          <p:cNvPr id="3" name="Content Placeholder 2"/>
+          <p:cNvSpPr>
+            <a:spLocks noGrp="1"/>
+          </p:cNvSpPr>
+          <p:nvPr>
+            <p:ph idx="1"/>
+          </p:nvPr>
+        </p:nvSpPr>
+        <p:spPr>
+          <a:xfrm>
+            <a:off x="1371600" y="1411941"/>
+            <a:ext cx="9601200" cy="4455459"/>
+          </a:xfrm>
+        </p:spPr>
+        <p:txBody>
+          <a:bodyPr>
+            <a:normAutofit/>
+          </a:bodyPr>
+          <a:lstStyle/>
+          <a:p>
+            <a:r>
+              <a:rPr lang="en-US" dirty="0" smtClean="0"/>
+              <a:t>Analyze larger scope of brands and models (i.e. </a:t>
+            </a:r>
+            <a:r>
+              <a:rPr lang="en-US" dirty="0" err="1" smtClean="0"/>
+              <a:t>Jordans</a:t>
+            </a:r>
+            <a:r>
+              <a:rPr lang="en-US" dirty="0" smtClean="0"/>
+              <a:t>, Nikes, </a:t>
+            </a:r>
+            <a:r>
+              <a:rPr lang="en-US" dirty="0" err="1" smtClean="0"/>
+              <a:t>etc</a:t>
+            </a:r>
+            <a:r>
+              <a:rPr lang="en-US" dirty="0" smtClean="0"/>
+              <a:t>)</a:t>
+            </a:r>
+          </a:p>
+          <a:p>
+            <a:r>
+              <a:rPr lang="en-US" dirty="0" smtClean="0"/>
+              <a:t>Deep dive into the productivity and growth of each sneaker resell marketplace (</a:t>
+            </a:r>
+            <a:r>
+              <a:rPr lang="en-US" dirty="0" err="1" smtClean="0"/>
+              <a:t>StockX</a:t>
+            </a:r>
+            <a:r>
+              <a:rPr lang="en-US" dirty="0" smtClean="0"/>
+              <a:t> vs. </a:t>
+            </a:r>
+            <a:r>
+              <a:rPr lang="en-US" dirty="0" err="1" smtClean="0"/>
+              <a:t>Ebay</a:t>
+            </a:r>
+            <a:r>
+              <a:rPr lang="en-US" dirty="0" smtClean="0"/>
+              <a:t> vs </a:t>
+            </a:r>
+            <a:r>
+              <a:rPr lang="en-US" dirty="0" err="1" smtClean="0"/>
+              <a:t>Flightclub</a:t>
+            </a:r>
+            <a:r>
+              <a:rPr lang="en-US" dirty="0"/>
+              <a:t> </a:t>
+            </a:r>
+            <a:r>
+              <a:rPr lang="en-US" dirty="0" smtClean="0"/>
+              <a:t>vs GOAT vs Stadium Goods)</a:t>
+            </a:r>
+          </a:p>
+          <a:p>
+            <a:r>
+              <a:rPr lang="en-US" dirty="0" smtClean="0"/>
+              <a:t>Apply machine learning techniques to predict resell prices for upcoming </a:t>
+            </a:r>
+            <a:r>
+              <a:rPr lang="en-US" dirty="0" err="1" smtClean="0"/>
+              <a:t>Yeezy</a:t>
+            </a:r>
+            <a:r>
+              <a:rPr lang="en-US" dirty="0" smtClean="0"/>
+              <a:t> sneaker releases.</a:t>
+            </a:r>
+          </a:p>
+          <a:p>
+            <a:endParaRPr lang="en-US" dirty="0" smtClean="0"/>
+          </a:p>
+          <a:p>
+            <a:endParaRPr lang="en-US" dirty="0"/>
+          </a:p>
+        </p:txBody>
+      </p:sp>
+      <p:pic>
+        <p:nvPicPr>
+          <p:cNvPr id="4" name="Picture 3"/>
+          <p:cNvPicPr>
+            <a:picLocks noChangeAspect="1"/>
+          </p:cNvPicPr>
+          <p:nvPr/>
+        </p:nvPicPr>
+        <p:blipFill>
+          <a:blip r:embed="rId2">
+            <a:extLst>
+              <a:ext uri="{28A0092B-C50C-407E-A947-70E740481C1C}">
+                <a14:useLocalDpi xmlns:a14="http://schemas.microsoft.com/office/drawing/2010/main" val="0"/>
+              </a:ext>
+            </a:extLst>
+          </a:blip>
+          <a:stretch>
+            <a:fillRect/>
+          </a:stretch>
+        </p:blipFill>
+        <p:spPr>
+          <a:xfrm>
+            <a:off x="1900706" y="3520884"/>
+            <a:ext cx="4155141" cy="2457035"/>
+          </a:xfrm>
+          <a:prstGeom prst="rect">
+            <a:avLst/>
+          </a:prstGeom>
+        </p:spPr>
+      </p:pic>
+      <p:pic>
+        <p:nvPicPr>
+          <p:cNvPr id="5" name="Picture 4"/>
+          <p:cNvPicPr>
+            <a:picLocks noChangeAspect="1"/>
+          </p:cNvPicPr>
+          <p:nvPr/>
+        </p:nvPicPr>
+        <p:blipFill>
+          <a:blip r:embed="rId3">
+            <a:extLst>
+              <a:ext uri="{28A0092B-C50C-407E-A947-70E740481C1C}">
+                <a14:useLocalDpi xmlns:a14="http://schemas.microsoft.com/office/drawing/2010/main" val="0"/>
+              </a:ext>
+            </a:extLst>
+          </a:blip>
+          <a:stretch>
+            <a:fillRect/>
+          </a:stretch>
+        </p:blipFill>
+        <p:spPr>
+          <a:xfrm>
+            <a:off x="6463930" y="3549418"/>
+            <a:ext cx="4387847" cy="2428501"/>
+          </a:xfrm>
+          <a:prstGeom prst="rect">
+            <a:avLst/>
+          </a:prstGeom>
+        </p:spPr>
+      </p:pic>
+    </p:spTree>
+    <p:extLst>
+      <p:ext uri="{BB962C8B-B14F-4D97-AF65-F5344CB8AC3E}">
+        <p14:creationId xmlns:p14="http://schemas.microsoft.com/office/powerpoint/2010/main" val="1313506427"/>
+      </p:ext>
+    </p:extLst>
+  </p:cSld>
+  <p:clrMapOvr>
+    <a:masterClrMapping/>
+  </p:clrMapOvr>
+  <p:timing>
+    <p:tnLst>
+      <p:par>
+        <p:cTn id="1" dur="indefinite" restart="never" nodeType="tmRoot"/>
+      </p:par>
+    </p:tnLst>
+  </p:timing>
+</p:sld>
+</file>
+
+<file path=ppt/slides/slide19.xml><?xml version="1.0" encoding="utf-8"?>
+<p:sld xmlns:a="http://schemas.openxmlformats.org/drawingml/2006/main" xmlns:r="http://schemas.openxmlformats.org/officeDocument/2006/relationships" xmlns:p="http://schemas.openxmlformats.org/presentationml/2006/main">
+  <p:cSld>
+    <p:spTree>
+      <p:nvGrpSpPr>
+        <p:cNvPr id="1" name=""/>
+        <p:cNvGrpSpPr/>
+        <p:nvPr/>
+      </p:nvGrpSpPr>
+      <p:grpSpPr>
+        <a:xfrm>
+          <a:off x="0" y="0"/>
+          <a:ext cx="0" cy="0"/>
+          <a:chOff x="0" y="0"/>
+          <a:chExt cx="0" cy="0"/>
+        </a:xfrm>
+      </p:grpSpPr>
+      <p:sp>
+        <p:nvSpPr>
+          <p:cNvPr id="2" name="Title 1"/>
+          <p:cNvSpPr>
+            <a:spLocks noGrp="1"/>
+          </p:cNvSpPr>
+          <p:nvPr>
+            <p:ph type="title"/>
+          </p:nvPr>
+        </p:nvSpPr>
+        <p:spPr/>
+        <p:txBody>
+          <a:bodyPr/>
+          <a:lstStyle/>
+          <a:p>
+            <a:r>
+              <a:rPr lang="en-US" dirty="0" smtClean="0"/>
+              <a:t>Questions?</a:t>
+            </a:r>
+            <a:endParaRPr lang="en-US" dirty="0"/>
+          </a:p>
+        </p:txBody>
+      </p:sp>
+    </p:spTree>
+    <p:extLst>
+      <p:ext uri="{BB962C8B-B14F-4D97-AF65-F5344CB8AC3E}">
+        <p14:creationId xmlns:p14="http://schemas.microsoft.com/office/powerpoint/2010/main" val="836894533"/>
+      </p:ext>
+    </p:extLst>
+  </p:cSld>
+  <p:clrMapOvr>
+    <a:masterClrMapping/>
+  </p:clrMapOvr>
+  <p:timing>
+    <p:tnLst>
+      <p:par>
+        <p:cTn id="1" dur="indefinite" restart="never" nodeType="tmRoot"/>
+      </p:par>
+    </p:tnLst>
+  </p:timing>
+</p:sld>
+</file>
+
 <file path=ppt/slides/slide2.xml><?xml version="1.0" encoding="utf-8"?>
 <p:sld xmlns:a="http://schemas.openxmlformats.org/drawingml/2006/main" xmlns:r="http://schemas.openxmlformats.org/officeDocument/2006/relationships" xmlns:p="http://schemas.openxmlformats.org/presentationml/2006/main">
   <p:cSld>
@@ -4756,7 +7660,12 @@
             <p:ph idx="1"/>
           </p:nvPr>
         </p:nvSpPr>
-        <p:spPr/>
+        <p:spPr>
+          <a:xfrm>
+            <a:off x="1371600" y="1815353"/>
+            <a:ext cx="9601200" cy="3581400"/>
+          </a:xfrm>
+        </p:spPr>
         <p:txBody>
           <a:bodyPr>
             <a:normAutofit fontScale="92500"/>
@@ -4901,7 +7810,12 @@
             <p:ph idx="1"/>
           </p:nvPr>
         </p:nvSpPr>
-        <p:spPr/>
+        <p:spPr>
+          <a:xfrm>
+            <a:off x="1371600" y="1936376"/>
+            <a:ext cx="9601200" cy="3581400"/>
+          </a:xfrm>
+        </p:spPr>
         <p:txBody>
           <a:bodyPr>
             <a:normAutofit fontScale="92500" lnSpcReduction="20000"/>
@@ -6354,39 +9268,218 @@
         </p:nvSpPr>
         <p:spPr>
           <a:xfrm>
-            <a:off x="1371600" y="594360"/>
+            <a:off x="1371600" y="217842"/>
             <a:ext cx="9601200" cy="1005840"/>
           </a:xfrm>
         </p:spPr>
         <p:txBody>
           <a:bodyPr>
-            <a:normAutofit fontScale="90000"/>
+            <a:normAutofit/>
           </a:bodyPr>
           <a:lstStyle/>
           <a:p>
             <a:r>
-              <a:rPr lang="en-US" smtClean="0"/>
-              <a:t>General EDA</a:t>
-            </a:r>
-            <a:br>
-              <a:rPr lang="en-US" smtClean="0"/>
-            </a:br>
-            <a:endParaRPr lang="en-US"/>
+              <a:rPr lang="en-US" sz="3600" dirty="0" smtClean="0"/>
+              <a:t>Percentage of Resold Sneakers by Model</a:t>
+            </a:r>
+            <a:endParaRPr lang="en-US" sz="3600" dirty="0"/>
+          </a:p>
+        </p:txBody>
+      </p:sp>
+      <p:sp>
+        <p:nvSpPr>
+          <p:cNvPr id="6" name="TextBox 5"/>
+          <p:cNvSpPr txBox="1"/>
+          <p:nvPr/>
+        </p:nvSpPr>
+        <p:spPr>
+          <a:xfrm>
+            <a:off x="7056678" y="1075766"/>
+            <a:ext cx="4576522" cy="4616648"/>
+          </a:xfrm>
+          <a:prstGeom prst="rect">
+            <a:avLst/>
+          </a:prstGeom>
+          <a:noFill/>
+        </p:spPr>
+        <p:txBody>
+          <a:bodyPr wrap="square" rtlCol="0">
+            <a:spAutoFit/>
+          </a:bodyPr>
+          <a:lstStyle/>
+          <a:p>
+            <a:pPr marL="285750" indent="-285750">
+              <a:buFontTx/>
+              <a:buChar char="-"/>
+            </a:pPr>
+            <a:r>
+              <a:rPr lang="en-US" sz="1400" dirty="0" smtClean="0"/>
+              <a:t>72.5% of data is </a:t>
+            </a:r>
+            <a:r>
+              <a:rPr lang="en-US" sz="1400" dirty="0" err="1" smtClean="0"/>
+              <a:t>Yeezy</a:t>
+            </a:r>
+            <a:r>
+              <a:rPr lang="en-US" sz="1400" dirty="0" smtClean="0"/>
+              <a:t> 350 V2 model that launched Sep 2016</a:t>
+            </a:r>
+          </a:p>
+          <a:p>
+            <a:pPr marL="285750" indent="-285750">
+              <a:buFontTx/>
+              <a:buChar char="-"/>
+            </a:pPr>
+            <a:endParaRPr lang="en-US" sz="1400" dirty="0" smtClean="0"/>
+          </a:p>
+          <a:p>
+            <a:pPr marL="285750" indent="-285750">
+              <a:buFontTx/>
+              <a:buChar char="-"/>
+            </a:pPr>
+            <a:r>
+              <a:rPr lang="en-US" sz="1400" dirty="0" smtClean="0"/>
+              <a:t>Second place at 15.9% is the </a:t>
+            </a:r>
+            <a:r>
+              <a:rPr lang="en-US" sz="1400" dirty="0" err="1" smtClean="0"/>
+              <a:t>Yeezy</a:t>
+            </a:r>
+            <a:r>
+              <a:rPr lang="en-US" sz="1400" dirty="0" smtClean="0"/>
+              <a:t> </a:t>
+            </a:r>
+            <a:r>
+              <a:rPr lang="en-US" sz="1400" dirty="0" err="1" smtClean="0"/>
+              <a:t>Powerphase</a:t>
+            </a:r>
+            <a:r>
+              <a:rPr lang="en-US" sz="1400" dirty="0" smtClean="0"/>
+              <a:t> model which only had 1 colorway(white) released.</a:t>
+            </a:r>
+          </a:p>
+          <a:p>
+            <a:pPr marL="285750" indent="-285750">
+              <a:buFontTx/>
+              <a:buChar char="-"/>
+            </a:pPr>
+            <a:endParaRPr lang="en-US" sz="1400" dirty="0" smtClean="0"/>
+          </a:p>
+          <a:p>
+            <a:pPr marL="285750" indent="-285750">
+              <a:buFontTx/>
+              <a:buChar char="-"/>
+            </a:pPr>
+            <a:r>
+              <a:rPr lang="en-US" sz="1400" dirty="0" smtClean="0"/>
+              <a:t>The two newer models( 350 V2 and </a:t>
+            </a:r>
+            <a:r>
+              <a:rPr lang="en-US" sz="1400" dirty="0" err="1" smtClean="0"/>
+              <a:t>Powerphase</a:t>
+            </a:r>
+            <a:r>
+              <a:rPr lang="en-US" sz="1400" dirty="0" smtClean="0"/>
+              <a:t>), account for over 88% of </a:t>
+            </a:r>
+            <a:r>
+              <a:rPr lang="en-US" sz="1400" dirty="0" err="1" smtClean="0"/>
+              <a:t>Yeezy</a:t>
+            </a:r>
+            <a:r>
+              <a:rPr lang="en-US" sz="1400" dirty="0" smtClean="0"/>
+              <a:t> sneakers sold.</a:t>
+            </a:r>
+          </a:p>
+          <a:p>
+            <a:pPr marL="285750" indent="-285750">
+              <a:buFontTx/>
+              <a:buChar char="-"/>
+            </a:pPr>
+            <a:endParaRPr lang="en-US" sz="1400" dirty="0" smtClean="0"/>
+          </a:p>
+          <a:p>
+            <a:pPr marL="285750" indent="-285750">
+              <a:buFontTx/>
+              <a:buChar char="-"/>
+            </a:pPr>
+            <a:r>
+              <a:rPr lang="en-US" sz="1400" dirty="0" smtClean="0"/>
+              <a:t>What does this mean? </a:t>
+            </a:r>
+          </a:p>
+          <a:p>
+            <a:pPr marL="285750" indent="-285750">
+              <a:buFontTx/>
+              <a:buChar char="-"/>
+            </a:pPr>
+            <a:endParaRPr lang="en-US" sz="1400" dirty="0"/>
+          </a:p>
+          <a:p>
+            <a:pPr marL="285750" indent="-285750">
+              <a:buFontTx/>
+              <a:buChar char="-"/>
+            </a:pPr>
+            <a:endParaRPr lang="en-US" sz="1400" dirty="0" smtClean="0"/>
+          </a:p>
+          <a:p>
+            <a:pPr marL="285750" indent="-285750">
+              <a:buFontTx/>
+              <a:buChar char="-"/>
+            </a:pPr>
+            <a:endParaRPr lang="en-US" sz="1400" dirty="0"/>
+          </a:p>
+          <a:p>
+            <a:pPr marL="285750" indent="-285750">
+              <a:buFontTx/>
+              <a:buChar char="-"/>
+            </a:pPr>
+            <a:endParaRPr lang="en-US" sz="1400" dirty="0"/>
+          </a:p>
+          <a:p>
+            <a:pPr marL="285750" indent="-285750">
+              <a:buFontTx/>
+              <a:buChar char="-"/>
+            </a:pPr>
+            <a:endParaRPr lang="en-US" sz="1400" dirty="0" smtClean="0"/>
+          </a:p>
+          <a:p>
+            <a:pPr marL="285750" indent="-285750">
+              <a:buFontTx/>
+              <a:buChar char="-"/>
+            </a:pPr>
+            <a:r>
+              <a:rPr lang="en-US" sz="1400" dirty="0" smtClean="0"/>
+              <a:t>*** “Other” refers to 4 boot models released in Kanye’s high fashion line in extremely limited releases to luxury boutiques.  Only account for 0.3% of resell market and will be disregarded.</a:t>
+            </a:r>
+            <a:endParaRPr lang="en-US" sz="1400" dirty="0"/>
+          </a:p>
+          <a:p>
+            <a:pPr marL="285750" indent="-285750">
+              <a:buFontTx/>
+              <a:buChar char="-"/>
+            </a:pPr>
+            <a:endParaRPr lang="en-US" sz="1400" dirty="0" smtClean="0"/>
+          </a:p>
+          <a:p>
+            <a:pPr marL="285750" indent="-285750">
+              <a:buFontTx/>
+              <a:buChar char="-"/>
+            </a:pPr>
+            <a:endParaRPr lang="en-US" sz="1400" dirty="0" smtClean="0"/>
           </a:p>
         </p:txBody>
       </p:sp>
       <p:pic>
         <p:nvPicPr>
-          <p:cNvPr id="4" name="Content Placeholder 3"/>
+          <p:cNvPr id="8" name="Content Placeholder 4"/>
           <p:cNvPicPr>
-            <a:picLocks noGrp="1" noChangeAspect="1"/>
+            <a:picLocks noChangeAspect="1"/>
           </p:cNvPicPr>
-          <p:nvPr>
-            <p:ph idx="1"/>
-          </p:nvPr>
+          <p:nvPr/>
         </p:nvPicPr>
         <p:blipFill>
-          <a:blip r:embed="rId2">
+          <a:blip r:embed="rId3">
             <a:extLst>
               <a:ext uri="{28A0092B-C50C-407E-A947-70E740481C1C}">
                 <a14:useLocalDpi xmlns:a14="http://schemas.microsoft.com/office/drawing/2010/main" val="0"/>
@@ -6399,15 +9492,511 @@
         </p:blipFill>
         <p:spPr>
           <a:xfrm>
-            <a:off x="1126111" y="1371600"/>
-            <a:ext cx="5685078" cy="4826000"/>
+            <a:off x="1371600" y="957316"/>
+            <a:ext cx="5685078" cy="5014330"/>
+          </a:xfrm>
+          <a:prstGeom prst="rect">
+            <a:avLst/>
+          </a:prstGeom>
+        </p:spPr>
+      </p:pic>
+    </p:spTree>
+    <p:extLst>
+      <p:ext uri="{BB962C8B-B14F-4D97-AF65-F5344CB8AC3E}">
+        <p14:creationId xmlns:p14="http://schemas.microsoft.com/office/powerpoint/2010/main" val="1827111221"/>
+      </p:ext>
+    </p:extLst>
+  </p:cSld>
+  <p:clrMapOvr>
+    <a:masterClrMapping/>
+  </p:clrMapOvr>
+  <p:timing>
+    <p:tnLst>
+      <p:par>
+        <p:cTn id="1" dur="indefinite" restart="never" nodeType="tmRoot"/>
+      </p:par>
+    </p:tnLst>
+  </p:timing>
+</p:sld>
+</file>
+
+<file path=ppt/slides/slide8.xml><?xml version="1.0" encoding="utf-8"?>
+<p:sld xmlns:a="http://schemas.openxmlformats.org/drawingml/2006/main" xmlns:r="http://schemas.openxmlformats.org/officeDocument/2006/relationships" xmlns:p="http://schemas.openxmlformats.org/presentationml/2006/main">
+  <p:cSld>
+    <p:spTree>
+      <p:nvGrpSpPr>
+        <p:cNvPr id="1" name=""/>
+        <p:cNvGrpSpPr/>
+        <p:nvPr/>
+      </p:nvGrpSpPr>
+      <p:grpSpPr>
+        <a:xfrm>
+          <a:off x="0" y="0"/>
+          <a:ext cx="0" cy="0"/>
+          <a:chOff x="0" y="0"/>
+          <a:chExt cx="0" cy="0"/>
+        </a:xfrm>
+      </p:grpSpPr>
+      <p:sp>
+        <p:nvSpPr>
+          <p:cNvPr id="2" name="Title 1"/>
+          <p:cNvSpPr>
+            <a:spLocks noGrp="1"/>
+          </p:cNvSpPr>
+          <p:nvPr>
+            <p:ph type="title"/>
+          </p:nvPr>
+        </p:nvSpPr>
+        <p:spPr>
+          <a:xfrm>
+            <a:off x="1371600" y="215927"/>
+            <a:ext cx="9601200" cy="1005840"/>
+          </a:xfrm>
+        </p:spPr>
+        <p:txBody>
+          <a:bodyPr>
+            <a:normAutofit/>
+          </a:bodyPr>
+          <a:lstStyle/>
+          <a:p>
+            <a:r>
+              <a:rPr lang="en-US" sz="3600" dirty="0" smtClean="0"/>
+              <a:t>Top 10 </a:t>
+            </a:r>
+            <a:r>
+              <a:rPr lang="en-US" sz="3600" dirty="0" err="1" smtClean="0"/>
+              <a:t>Yeezy</a:t>
+            </a:r>
+            <a:r>
+              <a:rPr lang="en-US" sz="3600" dirty="0" smtClean="0"/>
+              <a:t> Styles</a:t>
+            </a:r>
+            <a:endParaRPr lang="en-US" sz="3600" dirty="0"/>
+          </a:p>
+        </p:txBody>
+      </p:sp>
+      <p:sp>
+        <p:nvSpPr>
+          <p:cNvPr id="6" name="TextBox 5"/>
+          <p:cNvSpPr txBox="1"/>
+          <p:nvPr/>
+        </p:nvSpPr>
+        <p:spPr>
+          <a:xfrm>
+            <a:off x="2368550" y="5003387"/>
+            <a:ext cx="8604250" cy="2062103"/>
+          </a:xfrm>
+          <a:prstGeom prst="rect">
+            <a:avLst/>
+          </a:prstGeom>
+          <a:noFill/>
+        </p:spPr>
+        <p:txBody>
+          <a:bodyPr wrap="square" rtlCol="0">
+            <a:spAutoFit/>
+          </a:bodyPr>
+          <a:lstStyle/>
+          <a:p>
+            <a:pPr marL="285750" marR="0" lvl="0" indent="-285750" defTabSz="914400" eaLnBrk="1" fontAlgn="auto" latinLnBrk="0" hangingPunct="1">
+              <a:lnSpc>
+                <a:spcPct val="100000"/>
+              </a:lnSpc>
+              <a:spcBef>
+                <a:spcPts val="0"/>
+              </a:spcBef>
+              <a:spcAft>
+                <a:spcPts val="0"/>
+              </a:spcAft>
+              <a:buClrTx/>
+              <a:buSzTx/>
+              <a:buFontTx/>
+              <a:buChar char="-"/>
+              <a:tabLst/>
+              <a:defRPr/>
+            </a:pPr>
+            <a:r>
+              <a:rPr lang="en-US" sz="1600" dirty="0" smtClean="0"/>
+              <a:t>Number 1 is Cream </a:t>
+            </a:r>
+            <a:r>
+              <a:rPr lang="en-US" sz="1600" dirty="0" err="1" smtClean="0"/>
+              <a:t>Yeezy</a:t>
+            </a:r>
+            <a:r>
+              <a:rPr lang="en-US" sz="1600" dirty="0" smtClean="0"/>
+              <a:t> 350 V2, which doubles the next best selling style.</a:t>
+            </a:r>
+          </a:p>
+          <a:p>
+            <a:pPr marL="285750" marR="0" lvl="0" indent="-285750" defTabSz="914400" eaLnBrk="1" fontAlgn="auto" latinLnBrk="0" hangingPunct="1">
+              <a:lnSpc>
+                <a:spcPct val="100000"/>
+              </a:lnSpc>
+              <a:spcBef>
+                <a:spcPts val="0"/>
+              </a:spcBef>
+              <a:spcAft>
+                <a:spcPts val="0"/>
+              </a:spcAft>
+              <a:buClrTx/>
+              <a:buSzTx/>
+              <a:buFontTx/>
+              <a:buChar char="-"/>
+              <a:tabLst/>
+              <a:defRPr/>
+            </a:pPr>
+            <a:r>
+              <a:rPr lang="en-US" sz="1600" dirty="0" smtClean="0"/>
+              <a:t>Number 2 is </a:t>
+            </a:r>
+            <a:r>
+              <a:rPr lang="en-US" sz="1600" dirty="0" err="1" smtClean="0"/>
+              <a:t>Yeezy</a:t>
+            </a:r>
+            <a:r>
+              <a:rPr lang="en-US" sz="1600" dirty="0" smtClean="0"/>
+              <a:t> </a:t>
+            </a:r>
+            <a:r>
+              <a:rPr lang="en-US" sz="1600" dirty="0" err="1" smtClean="0"/>
+              <a:t>Powerphase</a:t>
+            </a:r>
+            <a:r>
+              <a:rPr lang="en-US" sz="1600" dirty="0" smtClean="0"/>
+              <a:t>  which is also all white shoe.</a:t>
+            </a:r>
+          </a:p>
+          <a:p>
+            <a:pPr marL="285750" marR="0" lvl="0" indent="-285750" defTabSz="914400" eaLnBrk="1" fontAlgn="auto" latinLnBrk="0" hangingPunct="1">
+              <a:lnSpc>
+                <a:spcPct val="100000"/>
+              </a:lnSpc>
+              <a:spcBef>
+                <a:spcPts val="0"/>
+              </a:spcBef>
+              <a:spcAft>
+                <a:spcPts val="0"/>
+              </a:spcAft>
+              <a:buClrTx/>
+              <a:buSzTx/>
+              <a:buFontTx/>
+              <a:buChar char="-"/>
+              <a:tabLst/>
+              <a:defRPr/>
+            </a:pPr>
+            <a:r>
+              <a:rPr lang="en-US" sz="1600" dirty="0" smtClean="0"/>
+              <a:t>What do top 2 selling styles have in common?  Much lower resell price.</a:t>
+            </a:r>
+          </a:p>
+          <a:p>
+            <a:pPr marL="742950" lvl="1" indent="-285750" defTabSz="914400">
+              <a:buFontTx/>
+              <a:buChar char="-"/>
+            </a:pPr>
+            <a:r>
+              <a:rPr lang="en-US" sz="1600" dirty="0" err="1" smtClean="0"/>
+              <a:t>Avg</a:t>
+            </a:r>
+            <a:r>
+              <a:rPr lang="en-US" sz="1600" dirty="0" smtClean="0"/>
+              <a:t> Cream </a:t>
+            </a:r>
+            <a:r>
+              <a:rPr lang="en-US" sz="1600" dirty="0" err="1" smtClean="0"/>
+              <a:t>Yeezy</a:t>
+            </a:r>
+            <a:r>
+              <a:rPr lang="en-US" sz="1600" dirty="0" smtClean="0"/>
+              <a:t> 250 V2: $536</a:t>
+            </a:r>
+          </a:p>
+          <a:p>
+            <a:pPr marL="742950" lvl="1" indent="-285750" defTabSz="914400">
+              <a:buFontTx/>
+              <a:buChar char="-"/>
+            </a:pPr>
+            <a:r>
+              <a:rPr lang="en-US" sz="1600" dirty="0" smtClean="0"/>
+              <a:t>Avg. </a:t>
+            </a:r>
+            <a:r>
+              <a:rPr lang="en-US" sz="1600" dirty="0" err="1" smtClean="0"/>
+              <a:t>Yeezy</a:t>
+            </a:r>
+            <a:r>
+              <a:rPr lang="en-US" sz="1600" dirty="0" smtClean="0"/>
+              <a:t> </a:t>
+            </a:r>
+            <a:r>
+              <a:rPr lang="en-US" sz="1600" dirty="0" err="1" smtClean="0"/>
+              <a:t>Powerphase</a:t>
+            </a:r>
+            <a:r>
+              <a:rPr lang="en-US" sz="1600" dirty="0" smtClean="0"/>
+              <a:t>: $233</a:t>
+            </a:r>
+          </a:p>
+          <a:p>
+            <a:pPr marL="742950" lvl="1" indent="-285750" defTabSz="914400">
+              <a:buFontTx/>
+              <a:buChar char="-"/>
+            </a:pPr>
+            <a:r>
+              <a:rPr lang="en-US" sz="1600" dirty="0" smtClean="0"/>
+              <a:t>Avg. of All </a:t>
+            </a:r>
+            <a:r>
+              <a:rPr lang="en-US" sz="1600" dirty="0" err="1" smtClean="0"/>
+              <a:t>Yeezy</a:t>
+            </a:r>
+            <a:r>
+              <a:rPr lang="en-US" sz="1600" dirty="0" smtClean="0"/>
+              <a:t> Sneakers: $1,103</a:t>
+            </a:r>
+          </a:p>
+          <a:p>
+            <a:pPr marL="742950" lvl="1" indent="-285750" defTabSz="914400">
+              <a:buFontTx/>
+              <a:buChar char="-"/>
+            </a:pPr>
+            <a:endParaRPr lang="en-US" sz="1600" dirty="0" smtClean="0"/>
+          </a:p>
+          <a:p>
+            <a:pPr marL="285750" marR="0" lvl="0" indent="-285750" defTabSz="914400" eaLnBrk="1" fontAlgn="auto" latinLnBrk="0" hangingPunct="1">
+              <a:lnSpc>
+                <a:spcPct val="100000"/>
+              </a:lnSpc>
+              <a:spcBef>
+                <a:spcPts val="0"/>
+              </a:spcBef>
+              <a:spcAft>
+                <a:spcPts val="0"/>
+              </a:spcAft>
+              <a:buClrTx/>
+              <a:buSzTx/>
+              <a:buFontTx/>
+              <a:buNone/>
+              <a:tabLst/>
+              <a:defRPr/>
+            </a:pPr>
+            <a:endParaRPr lang="en-US" sz="1600" dirty="0" smtClean="0"/>
+          </a:p>
+        </p:txBody>
+      </p:sp>
+      <p:pic>
+        <p:nvPicPr>
+          <p:cNvPr id="8" name="Content Placeholder 7"/>
+          <p:cNvPicPr>
+            <a:picLocks noGrp="1" noChangeAspect="1"/>
+          </p:cNvPicPr>
+          <p:nvPr>
+            <p:ph idx="1"/>
+          </p:nvPr>
+        </p:nvPicPr>
+        <p:blipFill>
+          <a:blip r:embed="rId3">
+            <a:extLst>
+              <a:ext uri="{28A0092B-C50C-407E-A947-70E740481C1C}">
+                <a14:useLocalDpi xmlns:a14="http://schemas.microsoft.com/office/drawing/2010/main" val="0"/>
+              </a:ext>
+            </a:extLst>
+          </a:blip>
+          <a:stretch>
+            <a:fillRect/>
+          </a:stretch>
+        </p:blipFill>
+        <p:spPr>
+          <a:xfrm>
+            <a:off x="2622550" y="868681"/>
+            <a:ext cx="7689850" cy="4020163"/>
           </a:xfrm>
         </p:spPr>
       </p:pic>
     </p:spTree>
     <p:extLst>
       <p:ext uri="{BB962C8B-B14F-4D97-AF65-F5344CB8AC3E}">
-        <p14:creationId xmlns:p14="http://schemas.microsoft.com/office/powerpoint/2010/main" val="1827111221"/>
+        <p14:creationId xmlns:p14="http://schemas.microsoft.com/office/powerpoint/2010/main" val="1757828893"/>
+      </p:ext>
+    </p:extLst>
+  </p:cSld>
+  <p:clrMapOvr>
+    <a:masterClrMapping/>
+  </p:clrMapOvr>
+  <p:timing>
+    <p:tnLst>
+      <p:par>
+        <p:cTn id="1" dur="indefinite" restart="never" nodeType="tmRoot"/>
+      </p:par>
+    </p:tnLst>
+  </p:timing>
+</p:sld>
+</file>
+
+<file path=ppt/slides/slide9.xml><?xml version="1.0" encoding="utf-8"?>
+<p:sld xmlns:a="http://schemas.openxmlformats.org/drawingml/2006/main" xmlns:r="http://schemas.openxmlformats.org/officeDocument/2006/relationships" xmlns:p="http://schemas.openxmlformats.org/presentationml/2006/main">
+  <p:cSld>
+    <p:spTree>
+      <p:nvGrpSpPr>
+        <p:cNvPr id="1" name=""/>
+        <p:cNvGrpSpPr/>
+        <p:nvPr/>
+      </p:nvGrpSpPr>
+      <p:grpSpPr>
+        <a:xfrm>
+          <a:off x="0" y="0"/>
+          <a:ext cx="0" cy="0"/>
+          <a:chOff x="0" y="0"/>
+          <a:chExt cx="0" cy="0"/>
+        </a:xfrm>
+      </p:grpSpPr>
+      <p:sp>
+        <p:nvSpPr>
+          <p:cNvPr id="2" name="Title 1"/>
+          <p:cNvSpPr>
+            <a:spLocks noGrp="1"/>
+          </p:cNvSpPr>
+          <p:nvPr>
+            <p:ph type="title"/>
+          </p:nvPr>
+        </p:nvSpPr>
+        <p:spPr>
+          <a:xfrm>
+            <a:off x="1371600" y="215927"/>
+            <a:ext cx="9601200" cy="1005840"/>
+          </a:xfrm>
+        </p:spPr>
+        <p:txBody>
+          <a:bodyPr>
+            <a:normAutofit fontScale="90000"/>
+          </a:bodyPr>
+          <a:lstStyle/>
+          <a:p>
+            <a:r>
+              <a:rPr lang="en-US" sz="3600" dirty="0" smtClean="0"/>
+              <a:t>Resell Prices Trends</a:t>
+            </a:r>
+            <a:br>
+              <a:rPr lang="en-US" sz="3600" dirty="0" smtClean="0"/>
+            </a:br>
+            <a:endParaRPr lang="en-US" sz="3600" dirty="0"/>
+          </a:p>
+        </p:txBody>
+      </p:sp>
+      <p:sp>
+        <p:nvSpPr>
+          <p:cNvPr id="6" name="TextBox 5"/>
+          <p:cNvSpPr txBox="1"/>
+          <p:nvPr/>
+        </p:nvSpPr>
+        <p:spPr>
+          <a:xfrm>
+            <a:off x="2276954" y="5714587"/>
+            <a:ext cx="8604250" cy="830997"/>
+          </a:xfrm>
+          <a:prstGeom prst="rect">
+            <a:avLst/>
+          </a:prstGeom>
+          <a:noFill/>
+        </p:spPr>
+        <p:txBody>
+          <a:bodyPr wrap="square" rtlCol="0">
+            <a:spAutoFit/>
+          </a:bodyPr>
+          <a:lstStyle/>
+          <a:p>
+            <a:pPr marL="285750" marR="0" lvl="0" indent="-285750" defTabSz="914400" eaLnBrk="1" fontAlgn="auto" latinLnBrk="0" hangingPunct="1">
+              <a:lnSpc>
+                <a:spcPct val="100000"/>
+              </a:lnSpc>
+              <a:spcBef>
+                <a:spcPts val="0"/>
+              </a:spcBef>
+              <a:spcAft>
+                <a:spcPts val="0"/>
+              </a:spcAft>
+              <a:buClrTx/>
+              <a:buSzTx/>
+              <a:buFontTx/>
+              <a:buChar char="-"/>
+              <a:tabLst/>
+              <a:defRPr/>
+            </a:pPr>
+            <a:r>
+              <a:rPr lang="en-US" sz="1600" dirty="0" smtClean="0"/>
+              <a:t>Visualization of resell prices by individual style</a:t>
+            </a:r>
+          </a:p>
+          <a:p>
+            <a:pPr marL="285750" marR="0" lvl="0" indent="-285750" defTabSz="914400" eaLnBrk="1" fontAlgn="auto" latinLnBrk="0" hangingPunct="1">
+              <a:lnSpc>
+                <a:spcPct val="100000"/>
+              </a:lnSpc>
+              <a:spcBef>
+                <a:spcPts val="0"/>
+              </a:spcBef>
+              <a:spcAft>
+                <a:spcPts val="0"/>
+              </a:spcAft>
+              <a:buClrTx/>
+              <a:buSzTx/>
+              <a:buFontTx/>
+              <a:buChar char="-"/>
+              <a:tabLst/>
+              <a:defRPr/>
+            </a:pPr>
+            <a:r>
+              <a:rPr lang="en-US" sz="1600" dirty="0" smtClean="0"/>
+              <a:t>Shows most models have established price range (shown by edges of box) and for most </a:t>
+            </a:r>
+            <a:r>
+              <a:rPr lang="en-US" sz="1600" dirty="0" err="1"/>
+              <a:t>Y</a:t>
+            </a:r>
+            <a:r>
+              <a:rPr lang="en-US" sz="1600" dirty="0" err="1" smtClean="0"/>
+              <a:t>eezy</a:t>
+            </a:r>
+            <a:r>
+              <a:rPr lang="en-US" sz="1600" dirty="0" smtClean="0"/>
+              <a:t> sneakers, there are many purchases made well above the median prices.  </a:t>
+            </a:r>
+          </a:p>
+        </p:txBody>
+      </p:sp>
+      <p:pic>
+        <p:nvPicPr>
+          <p:cNvPr id="8" name="Content Placeholder 7"/>
+          <p:cNvPicPr>
+            <a:picLocks noGrp="1" noChangeAspect="1"/>
+          </p:cNvPicPr>
+          <p:nvPr>
+            <p:ph idx="1"/>
+          </p:nvPr>
+        </p:nvPicPr>
+        <p:blipFill>
+          <a:blip r:embed="rId3">
+            <a:extLst>
+              <a:ext uri="{28A0092B-C50C-407E-A947-70E740481C1C}">
+                <a14:useLocalDpi xmlns:a14="http://schemas.microsoft.com/office/drawing/2010/main" val="0"/>
+              </a:ext>
+            </a:extLst>
+          </a:blip>
+          <a:stretch>
+            <a:fillRect/>
+          </a:stretch>
+        </p:blipFill>
+        <p:spPr>
+          <a:xfrm>
+            <a:off x="2098184" y="718846"/>
+            <a:ext cx="9183897" cy="5096489"/>
+          </a:xfrm>
+        </p:spPr>
+      </p:pic>
+    </p:spTree>
+    <p:extLst>
+      <p:ext uri="{BB962C8B-B14F-4D97-AF65-F5344CB8AC3E}">
+        <p14:creationId xmlns:p14="http://schemas.microsoft.com/office/powerpoint/2010/main" val="253031991"/>
       </p:ext>
     </p:extLst>
   </p:cSld>

--- a/YeezyData.pptx
+++ b/YeezyData.pptx
@@ -7254,17 +7254,10 @@
           </a:p>
           <a:p>
             <a:r>
-              <a:rPr lang="en-US" dirty="0"/>
-              <a:t>B</a:t>
-            </a:r>
-            <a:r>
               <a:rPr lang="en-US" dirty="0" smtClean="0"/>
-              <a:t>uyer</a:t>
-            </a:r>
-            <a:r>
-              <a:rPr lang="en-US" dirty="0"/>
-              <a:t>:</a:t>
-            </a:r>
+              <a:t>For Buyers:</a:t>
+            </a:r>
+            <a:endParaRPr lang="en-US" dirty="0"/>
           </a:p>
           <a:p>
             <a:pPr lvl="1"/>
@@ -7668,19 +7661,19 @@
         </p:spPr>
         <p:txBody>
           <a:bodyPr>
-            <a:normAutofit fontScale="92500"/>
+            <a:normAutofit fontScale="92500" lnSpcReduction="10000"/>
           </a:bodyPr>
           <a:lstStyle/>
           <a:p>
             <a:r>
               <a:rPr lang="en-US" dirty="0" smtClean="0"/>
-              <a:t>In the past decade, sneaker culture has reached explosive popularity, and as a result given rise to various avenues for buying and selling rare and prized sneakers.</a:t>
+              <a:t>In the past decade, sneaker culture has reached explosive popularity, and given rise to various avenues for buying and selling rare and prized sneakers.</a:t>
             </a:r>
           </a:p>
           <a:p>
             <a:r>
               <a:rPr lang="en-US" dirty="0" smtClean="0"/>
-              <a:t>According to a study done by </a:t>
+              <a:t>According to a study conducted by </a:t>
             </a:r>
             <a:r>
               <a:rPr lang="en-US" dirty="0" smtClean="0">
@@ -7726,7 +7719,31 @@
             <a:pPr lvl="1"/>
             <a:r>
               <a:rPr lang="en-US" dirty="0" smtClean="0"/>
-              <a:t>Resell- Secondary marketplace where sellers who have highly coveted sneakers in their possession(usually sold out elsewhere else) can place their shoes to be sold to buyers willing to pay a premium to acquire rare, discontinued sneakers.</a:t>
+              <a:t>Resell- Secondary marketplace where sellers who have highly coveted sneakers in their possession(usually sold out elsewhere else) can place their shoes to be sold to buyers willing to pay a premium to acquire rare, discontinued sneakers.  Some big names in sneaker resell are </a:t>
+            </a:r>
+            <a:r>
+              <a:rPr lang="en-US" dirty="0" err="1" smtClean="0"/>
+              <a:t>Flightclub</a:t>
+            </a:r>
+            <a:r>
+              <a:rPr lang="en-US" dirty="0" smtClean="0"/>
+              <a:t>, </a:t>
+            </a:r>
+            <a:r>
+              <a:rPr lang="en-US" dirty="0" err="1" smtClean="0"/>
+              <a:t>StockX</a:t>
+            </a:r>
+            <a:r>
+              <a:rPr lang="en-US" dirty="0" smtClean="0"/>
+              <a:t>, GOAT, Stadium Goods, </a:t>
+            </a:r>
+            <a:r>
+              <a:rPr lang="en-US" dirty="0" err="1" smtClean="0"/>
+              <a:t>Ebay</a:t>
+            </a:r>
+            <a:r>
+              <a:rPr lang="en-US" dirty="0" smtClean="0"/>
+              <a:t>, etc.</a:t>
             </a:r>
             <a:endParaRPr lang="en-US" dirty="0"/>
           </a:p>
@@ -8997,7 +9014,7 @@
         </p:blipFill>
         <p:spPr>
           <a:xfrm>
-            <a:off x="6571922" y="2047142"/>
+            <a:off x="6508039" y="2077915"/>
             <a:ext cx="5620078" cy="3368920"/>
           </a:xfrm>
           <a:prstGeom prst="rect">
@@ -9808,9 +9825,129 @@
         </p:blipFill>
         <p:spPr>
           <a:xfrm>
-            <a:off x="2622550" y="868681"/>
+            <a:off x="820644" y="866765"/>
             <a:ext cx="7689850" cy="4020163"/>
           </a:xfrm>
+        </p:spPr>
+      </p:pic>
+      <p:pic>
+        <p:nvPicPr>
+          <p:cNvPr id="10" name="Picture 9"/>
+          <p:cNvPicPr>
+            <a:picLocks noChangeAspect="1"/>
+          </p:cNvPicPr>
+          <p:nvPr/>
+        </p:nvPicPr>
+        <p:blipFill>
+          <a:blip r:embed="rId4">
+            <a:extLst>
+              <a:ext uri="{28A0092B-C50C-407E-A947-70E740481C1C}">
+                <a14:useLocalDpi xmlns:a14="http://schemas.microsoft.com/office/drawing/2010/main" val="0"/>
+              </a:ext>
+            </a:extLst>
+          </a:blip>
+          <a:stretch>
+            <a:fillRect/>
+          </a:stretch>
+        </p:blipFill>
+        <p:spPr>
+          <a:xfrm>
+            <a:off x="8983375" y="3179658"/>
+            <a:ext cx="2598616" cy="1464916"/>
+          </a:xfrm>
+          <a:prstGeom prst="rect">
+            <a:avLst/>
+          </a:prstGeom>
+        </p:spPr>
+      </p:pic>
+      <p:sp>
+        <p:nvSpPr>
+          <p:cNvPr id="11" name="TextBox 10"/>
+          <p:cNvSpPr txBox="1"/>
+          <p:nvPr/>
+        </p:nvSpPr>
+        <p:spPr>
+          <a:xfrm>
+            <a:off x="8983375" y="2744912"/>
+            <a:ext cx="1465730" cy="376517"/>
+          </a:xfrm>
+          <a:prstGeom prst="rect">
+            <a:avLst/>
+          </a:prstGeom>
+          <a:noFill/>
+        </p:spPr>
+        <p:txBody>
+          <a:bodyPr wrap="square" rtlCol="0">
+            <a:spAutoFit/>
+          </a:bodyPr>
+          <a:lstStyle/>
+          <a:p>
+            <a:r>
+              <a:rPr lang="en-US" smtClean="0"/>
+              <a:t>Powerphase</a:t>
+            </a:r>
+            <a:endParaRPr lang="en-US" dirty="0"/>
+          </a:p>
+        </p:txBody>
+      </p:sp>
+      <p:sp>
+        <p:nvSpPr>
+          <p:cNvPr id="12" name="TextBox 11"/>
+          <p:cNvSpPr txBox="1"/>
+          <p:nvPr/>
+        </p:nvSpPr>
+        <p:spPr>
+          <a:xfrm>
+            <a:off x="8983374" y="716779"/>
+            <a:ext cx="2782801" cy="369332"/>
+          </a:xfrm>
+          <a:prstGeom prst="rect">
+            <a:avLst/>
+          </a:prstGeom>
+          <a:noFill/>
+        </p:spPr>
+        <p:txBody>
+          <a:bodyPr wrap="square" rtlCol="0">
+            <a:spAutoFit/>
+          </a:bodyPr>
+          <a:lstStyle/>
+          <a:p>
+            <a:r>
+              <a:rPr lang="en-US" smtClean="0"/>
+              <a:t>350 V2 Cream</a:t>
+            </a:r>
+            <a:endParaRPr lang="en-US" dirty="0"/>
+          </a:p>
+        </p:txBody>
+      </p:sp>
+      <p:pic>
+        <p:nvPicPr>
+          <p:cNvPr id="13" name="Picture 12"/>
+          <p:cNvPicPr>
+            <a:picLocks noChangeAspect="1"/>
+          </p:cNvPicPr>
+          <p:nvPr/>
+        </p:nvPicPr>
+        <p:blipFill>
+          <a:blip r:embed="rId5">
+            <a:extLst>
+              <a:ext uri="{28A0092B-C50C-407E-A947-70E740481C1C}">
+                <a14:useLocalDpi xmlns:a14="http://schemas.microsoft.com/office/drawing/2010/main" val="0"/>
+              </a:ext>
+            </a:extLst>
+          </a:blip>
+          <a:stretch>
+            <a:fillRect/>
+          </a:stretch>
+        </p:blipFill>
+        <p:spPr>
+          <a:xfrm>
+            <a:off x="9008947" y="1182736"/>
+            <a:ext cx="2547471" cy="1473194"/>
+          </a:xfrm>
+          <a:prstGeom prst="rect">
+            <a:avLst/>
+          </a:prstGeom>
         </p:spPr>
       </p:pic>
     </p:spTree>
